--- a/lab1/Laboratorium 1, zadanie 3.pptx
+++ b/lab1/Laboratorium 1, zadanie 3.pptx
@@ -6,15 +6,15 @@
   </p:sldMasterIdLst>
   <p:sldIdLst>
     <p:sldId id="256" r:id="rId2"/>
-    <p:sldId id="268" r:id="rId3"/>
-    <p:sldId id="257" r:id="rId4"/>
-    <p:sldId id="258" r:id="rId5"/>
-    <p:sldId id="259" r:id="rId6"/>
-    <p:sldId id="267" r:id="rId7"/>
-    <p:sldId id="260" r:id="rId8"/>
-    <p:sldId id="262" r:id="rId9"/>
-    <p:sldId id="264" r:id="rId10"/>
-    <p:sldId id="263" r:id="rId11"/>
+    <p:sldId id="257" r:id="rId3"/>
+    <p:sldId id="258" r:id="rId4"/>
+    <p:sldId id="259" r:id="rId5"/>
+    <p:sldId id="267" r:id="rId6"/>
+    <p:sldId id="260" r:id="rId7"/>
+    <p:sldId id="262" r:id="rId8"/>
+    <p:sldId id="264" r:id="rId9"/>
+    <p:sldId id="263" r:id="rId10"/>
+    <p:sldId id="268" r:id="rId11"/>
     <p:sldId id="265" r:id="rId12"/>
     <p:sldId id="266" r:id="rId13"/>
   </p:sldIdLst>
@@ -270,7 +270,7 @@
           <a:p>
             <a:fld id="{BDE6E42A-1998-4C9D-8E3F-A3707EA1570C}" type="datetimeFigureOut">
               <a:rPr lang="pl-PL" smtClean="0"/>
-              <a:t>09.03.2023</a:t>
+              <a:t>10.03.2023</a:t>
             </a:fld>
             <a:endParaRPr lang="pl-PL"/>
           </a:p>
@@ -468,7 +468,7 @@
           <a:p>
             <a:fld id="{BDE6E42A-1998-4C9D-8E3F-A3707EA1570C}" type="datetimeFigureOut">
               <a:rPr lang="pl-PL" smtClean="0"/>
-              <a:t>09.03.2023</a:t>
+              <a:t>10.03.2023</a:t>
             </a:fld>
             <a:endParaRPr lang="pl-PL"/>
           </a:p>
@@ -676,7 +676,7 @@
           <a:p>
             <a:fld id="{BDE6E42A-1998-4C9D-8E3F-A3707EA1570C}" type="datetimeFigureOut">
               <a:rPr lang="pl-PL" smtClean="0"/>
-              <a:t>09.03.2023</a:t>
+              <a:t>10.03.2023</a:t>
             </a:fld>
             <a:endParaRPr lang="pl-PL"/>
           </a:p>
@@ -874,7 +874,7 @@
           <a:p>
             <a:fld id="{BDE6E42A-1998-4C9D-8E3F-A3707EA1570C}" type="datetimeFigureOut">
               <a:rPr lang="pl-PL" smtClean="0"/>
-              <a:t>09.03.2023</a:t>
+              <a:t>10.03.2023</a:t>
             </a:fld>
             <a:endParaRPr lang="pl-PL"/>
           </a:p>
@@ -1149,7 +1149,7 @@
           <a:p>
             <a:fld id="{BDE6E42A-1998-4C9D-8E3F-A3707EA1570C}" type="datetimeFigureOut">
               <a:rPr lang="pl-PL" smtClean="0"/>
-              <a:t>09.03.2023</a:t>
+              <a:t>10.03.2023</a:t>
             </a:fld>
             <a:endParaRPr lang="pl-PL"/>
           </a:p>
@@ -1414,7 +1414,7 @@
           <a:p>
             <a:fld id="{BDE6E42A-1998-4C9D-8E3F-A3707EA1570C}" type="datetimeFigureOut">
               <a:rPr lang="pl-PL" smtClean="0"/>
-              <a:t>09.03.2023</a:t>
+              <a:t>10.03.2023</a:t>
             </a:fld>
             <a:endParaRPr lang="pl-PL"/>
           </a:p>
@@ -1826,7 +1826,7 @@
           <a:p>
             <a:fld id="{BDE6E42A-1998-4C9D-8E3F-A3707EA1570C}" type="datetimeFigureOut">
               <a:rPr lang="pl-PL" smtClean="0"/>
-              <a:t>09.03.2023</a:t>
+              <a:t>10.03.2023</a:t>
             </a:fld>
             <a:endParaRPr lang="pl-PL"/>
           </a:p>
@@ -1967,7 +1967,7 @@
           <a:p>
             <a:fld id="{BDE6E42A-1998-4C9D-8E3F-A3707EA1570C}" type="datetimeFigureOut">
               <a:rPr lang="pl-PL" smtClean="0"/>
-              <a:t>09.03.2023</a:t>
+              <a:t>10.03.2023</a:t>
             </a:fld>
             <a:endParaRPr lang="pl-PL"/>
           </a:p>
@@ -2080,7 +2080,7 @@
           <a:p>
             <a:fld id="{BDE6E42A-1998-4C9D-8E3F-A3707EA1570C}" type="datetimeFigureOut">
               <a:rPr lang="pl-PL" smtClean="0"/>
-              <a:t>09.03.2023</a:t>
+              <a:t>10.03.2023</a:t>
             </a:fld>
             <a:endParaRPr lang="pl-PL"/>
           </a:p>
@@ -2391,7 +2391,7 @@
           <a:p>
             <a:fld id="{BDE6E42A-1998-4C9D-8E3F-A3707EA1570C}" type="datetimeFigureOut">
               <a:rPr lang="pl-PL" smtClean="0"/>
-              <a:t>09.03.2023</a:t>
+              <a:t>10.03.2023</a:t>
             </a:fld>
             <a:endParaRPr lang="pl-PL"/>
           </a:p>
@@ -2679,7 +2679,7 @@
           <a:p>
             <a:fld id="{BDE6E42A-1998-4C9D-8E3F-A3707EA1570C}" type="datetimeFigureOut">
               <a:rPr lang="pl-PL" smtClean="0"/>
-              <a:t>09.03.2023</a:t>
+              <a:t>10.03.2023</a:t>
             </a:fld>
             <a:endParaRPr lang="pl-PL"/>
           </a:p>
@@ -2920,7 +2920,7 @@
           <a:p>
             <a:fld id="{BDE6E42A-1998-4C9D-8E3F-A3707EA1570C}" type="datetimeFigureOut">
               <a:rPr lang="pl-PL" smtClean="0"/>
-              <a:t>09.03.2023</a:t>
+              <a:t>10.03.2023</a:t>
             </a:fld>
             <a:endParaRPr lang="pl-PL"/>
           </a:p>
@@ -3386,10 +3386,7 @@
           <a:bodyPr/>
           <a:lstStyle/>
           <a:p>
-            <a:r>
-              <a:rPr lang="pl-PL" dirty="0"/>
-              <a:t>Program pisany w c++</a:t>
-            </a:r>
+            <a:endParaRPr lang="pl-PL" dirty="0"/>
           </a:p>
         </p:txBody>
       </p:sp>
@@ -3428,7 +3425,7 @@
           <p:cNvPr id="2" name="Tytuł 1">
             <a:extLst>
               <a:ext uri="{FF2B5EF4-FFF2-40B4-BE49-F238E27FC236}">
-                <a16:creationId xmlns:a16="http://schemas.microsoft.com/office/drawing/2014/main" id="{B95AE45F-6C19-4018-0B10-0B9FA1015060}"/>
+                <a16:creationId xmlns:a16="http://schemas.microsoft.com/office/drawing/2014/main" id="{A5066EF4-BDDE-A48D-1113-D6C36D1897A3}"/>
               </a:ext>
             </a:extLst>
           </p:cNvPr>
@@ -3446,71 +3443,1159 @@
           <a:p>
             <a:r>
               <a:rPr lang="pl-PL" dirty="0"/>
-              <a:t>Wnioski dla </a:t>
-            </a:r>
-            <a:r>
-              <a:rPr lang="pl-PL" dirty="0" err="1"/>
-              <a:t>long</a:t>
-            </a:r>
-            <a:r>
-              <a:rPr lang="pl-PL" dirty="0"/>
-              <a:t> </a:t>
-            </a:r>
-            <a:r>
-              <a:rPr lang="pl-PL" dirty="0" err="1"/>
-              <a:t>double</a:t>
-            </a:r>
-            <a:endParaRPr lang="pl-PL" dirty="0"/>
-          </a:p>
-        </p:txBody>
-      </p:sp>
-      <p:sp>
-        <p:nvSpPr>
-          <p:cNvPr id="3" name="Symbol zastępczy zawartości 2">
-            <a:extLst>
-              <a:ext uri="{FF2B5EF4-FFF2-40B4-BE49-F238E27FC236}">
-                <a16:creationId xmlns:a16="http://schemas.microsoft.com/office/drawing/2014/main" id="{EC736CB7-8D94-19D9-4BE3-00624CE2CD54}"/>
-              </a:ext>
-            </a:extLst>
-          </p:cNvPr>
-          <p:cNvSpPr>
-            <a:spLocks noGrp="1"/>
-          </p:cNvSpPr>
-          <p:nvPr>
-            <p:ph idx="1"/>
-          </p:nvPr>
-        </p:nvSpPr>
-        <p:spPr/>
-        <p:txBody>
-          <a:bodyPr/>
-          <a:lstStyle/>
-          <a:p>
-            <a:pPr marL="0" indent="0">
-              <a:buNone/>
-            </a:pPr>
-            <a:r>
-              <a:rPr lang="pl-PL" dirty="0" err="1"/>
-              <a:t>Long</a:t>
-            </a:r>
-            <a:r>
-              <a:rPr lang="pl-PL" dirty="0"/>
-              <a:t> </a:t>
-            </a:r>
-            <a:r>
-              <a:rPr lang="pl-PL" dirty="0" err="1"/>
-              <a:t>double</a:t>
-            </a:r>
-            <a:r>
-              <a:rPr lang="pl-PL" dirty="0"/>
-              <a:t> jest najdokładniejszym typem zmiennoprzecinkowym w języku c++, co widać po wynikach pomiarów, x^2 pod pierwiastkiem zanika dopiero w kroku 11, dodawanie dla tego typu jest działaniem w miarę dokładnym dla argumentów rzędu około 10^-20. Typ ten zajmuje 80 bitów. Dla funkcji g wyniki dokładne dla argumentów rzędu 8^-358, potem następuję wyzerowanie argumentu.</a:t>
+              <a:t>Wyniki dla dużych argumentów</a:t>
             </a:r>
           </a:p>
         </p:txBody>
       </p:sp>
+      <p:graphicFrame>
+        <p:nvGraphicFramePr>
+          <p:cNvPr id="4" name="Tabela 4">
+            <a:extLst>
+              <a:ext uri="{FF2B5EF4-FFF2-40B4-BE49-F238E27FC236}">
+                <a16:creationId xmlns:a16="http://schemas.microsoft.com/office/drawing/2014/main" id="{6AC56B48-DCC6-0749-4B3D-701DB6821981}"/>
+              </a:ext>
+            </a:extLst>
+          </p:cNvPr>
+          <p:cNvGraphicFramePr>
+            <a:graphicFrameLocks noGrp="1"/>
+          </p:cNvGraphicFramePr>
+          <p:nvPr>
+            <p:ph idx="1"/>
+            <p:extLst>
+              <p:ext uri="{D42A27DB-BD31-4B8C-83A1-F6EECF244321}">
+                <p14:modId xmlns:p14="http://schemas.microsoft.com/office/powerpoint/2010/main" val="699241159"/>
+              </p:ext>
+            </p:extLst>
+          </p:nvPr>
+        </p:nvGraphicFramePr>
+        <p:xfrm>
+          <a:off x="838200" y="1389380"/>
+          <a:ext cx="10515600" cy="4450080"/>
+        </p:xfrm>
+        <a:graphic>
+          <a:graphicData uri="http://schemas.openxmlformats.org/drawingml/2006/table">
+            <a:tbl>
+              <a:tblPr firstRow="1" bandRow="1">
+                <a:tableStyleId>{5C22544A-7EE6-4342-B048-85BDC9FD1C3A}</a:tableStyleId>
+              </a:tblPr>
+              <a:tblGrid>
+                <a:gridCol w="2103120">
+                  <a:extLst>
+                    <a:ext uri="{9D8B030D-6E8A-4147-A177-3AD203B41FA5}">
+                      <a16:colId xmlns:a16="http://schemas.microsoft.com/office/drawing/2014/main" val="3260907279"/>
+                    </a:ext>
+                  </a:extLst>
+                </a:gridCol>
+                <a:gridCol w="2103120">
+                  <a:extLst>
+                    <a:ext uri="{9D8B030D-6E8A-4147-A177-3AD203B41FA5}">
+                      <a16:colId xmlns:a16="http://schemas.microsoft.com/office/drawing/2014/main" val="512919886"/>
+                    </a:ext>
+                  </a:extLst>
+                </a:gridCol>
+                <a:gridCol w="2103120">
+                  <a:extLst>
+                    <a:ext uri="{9D8B030D-6E8A-4147-A177-3AD203B41FA5}">
+                      <a16:colId xmlns:a16="http://schemas.microsoft.com/office/drawing/2014/main" val="3399953311"/>
+                    </a:ext>
+                  </a:extLst>
+                </a:gridCol>
+                <a:gridCol w="2103120">
+                  <a:extLst>
+                    <a:ext uri="{9D8B030D-6E8A-4147-A177-3AD203B41FA5}">
+                      <a16:colId xmlns:a16="http://schemas.microsoft.com/office/drawing/2014/main" val="2125275743"/>
+                    </a:ext>
+                  </a:extLst>
+                </a:gridCol>
+                <a:gridCol w="2103120">
+                  <a:extLst>
+                    <a:ext uri="{9D8B030D-6E8A-4147-A177-3AD203B41FA5}">
+                      <a16:colId xmlns:a16="http://schemas.microsoft.com/office/drawing/2014/main" val="2239078767"/>
+                    </a:ext>
+                  </a:extLst>
+                </a:gridCol>
+              </a:tblGrid>
+              <a:tr h="370840">
+                <a:tc>
+                  <a:txBody>
+                    <a:bodyPr/>
+                    <a:lstStyle/>
+                    <a:p>
+                      <a:pPr algn="ctr"/>
+                      <a:r>
+                        <a:rPr lang="pl-PL" dirty="0"/>
+                        <a:t>Typ argumentu</a:t>
+                      </a:r>
+                    </a:p>
+                  </a:txBody>
+                  <a:tcPr anchor="ctr"/>
+                </a:tc>
+                <a:tc>
+                  <a:txBody>
+                    <a:bodyPr/>
+                    <a:lstStyle/>
+                    <a:p>
+                      <a:pPr algn="ctr"/>
+                      <a:r>
+                        <a:rPr lang="pl-PL" dirty="0"/>
+                        <a:t>Wartość argumentu</a:t>
+                      </a:r>
+                    </a:p>
+                  </a:txBody>
+                  <a:tcPr anchor="ctr"/>
+                </a:tc>
+                <a:tc>
+                  <a:txBody>
+                    <a:bodyPr/>
+                    <a:lstStyle/>
+                    <a:p>
+                      <a:pPr algn="ctr"/>
+                      <a:r>
+                        <a:rPr lang="pl-PL" dirty="0"/>
+                        <a:t>f(x)</a:t>
+                      </a:r>
+                    </a:p>
+                  </a:txBody>
+                  <a:tcPr anchor="ctr"/>
+                </a:tc>
+                <a:tc>
+                  <a:txBody>
+                    <a:bodyPr/>
+                    <a:lstStyle/>
+                    <a:p>
+                      <a:pPr algn="ctr"/>
+                      <a:r>
+                        <a:rPr lang="pl-PL" dirty="0"/>
+                        <a:t>g(x)</a:t>
+                      </a:r>
+                    </a:p>
+                  </a:txBody>
+                  <a:tcPr anchor="ctr"/>
+                </a:tc>
+                <a:tc>
+                  <a:txBody>
+                    <a:bodyPr/>
+                    <a:lstStyle/>
+                    <a:p>
+                      <a:pPr algn="ctr"/>
+                      <a:r>
+                        <a:rPr lang="pl-PL" dirty="0"/>
+                        <a:t>|f(x) – g(x)|</a:t>
+                      </a:r>
+                    </a:p>
+                  </a:txBody>
+                  <a:tcPr anchor="ctr"/>
+                </a:tc>
+                <a:extLst>
+                  <a:ext uri="{0D108BD9-81ED-4DB2-BD59-A6C34878D82A}">
+                    <a16:rowId xmlns:a16="http://schemas.microsoft.com/office/drawing/2014/main" val="3542203679"/>
+                  </a:ext>
+                </a:extLst>
+              </a:tr>
+              <a:tr h="370840">
+                <a:tc>
+                  <a:txBody>
+                    <a:bodyPr/>
+                    <a:lstStyle/>
+                    <a:p>
+                      <a:pPr algn="ctr"/>
+                      <a:r>
+                        <a:rPr lang="pl-PL" dirty="0" err="1"/>
+                        <a:t>Float</a:t>
+                      </a:r>
+                      <a:endParaRPr lang="pl-PL" dirty="0"/>
+                    </a:p>
+                  </a:txBody>
+                  <a:tcPr anchor="ctr"/>
+                </a:tc>
+                <a:tc>
+                  <a:txBody>
+                    <a:bodyPr/>
+                    <a:lstStyle/>
+                    <a:p>
+                      <a:pPr algn="ctr"/>
+                      <a:r>
+                        <a:rPr lang="pl-PL" dirty="0"/>
+                        <a:t>8^4</a:t>
+                      </a:r>
+                    </a:p>
+                  </a:txBody>
+                  <a:tcPr anchor="ctr"/>
+                </a:tc>
+                <a:tc>
+                  <a:txBody>
+                    <a:bodyPr/>
+                    <a:lstStyle/>
+                    <a:p>
+                      <a:pPr algn="ctr"/>
+                      <a:r>
+                        <a:rPr lang="pl-PL" dirty="0"/>
+                        <a:t>4095</a:t>
+                      </a:r>
+                    </a:p>
+                  </a:txBody>
+                  <a:tcPr anchor="ctr"/>
+                </a:tc>
+                <a:tc>
+                  <a:txBody>
+                    <a:bodyPr/>
+                    <a:lstStyle/>
+                    <a:p>
+                      <a:pPr algn="ctr"/>
+                      <a:r>
+                        <a:rPr lang="pl-PL" dirty="0"/>
+                        <a:t>4095</a:t>
+                      </a:r>
+                    </a:p>
+                  </a:txBody>
+                  <a:tcPr anchor="ctr"/>
+                </a:tc>
+                <a:tc>
+                  <a:txBody>
+                    <a:bodyPr/>
+                    <a:lstStyle/>
+                    <a:p>
+                      <a:pPr algn="ctr"/>
+                      <a:r>
+                        <a:rPr lang="pl-PL" dirty="0"/>
+                        <a:t>0.000244141</a:t>
+                      </a:r>
+                    </a:p>
+                  </a:txBody>
+                  <a:tcPr anchor="ctr"/>
+                </a:tc>
+                <a:extLst>
+                  <a:ext uri="{0D108BD9-81ED-4DB2-BD59-A6C34878D82A}">
+                    <a16:rowId xmlns:a16="http://schemas.microsoft.com/office/drawing/2014/main" val="2629508097"/>
+                  </a:ext>
+                </a:extLst>
+              </a:tr>
+              <a:tr h="370840">
+                <a:tc>
+                  <a:txBody>
+                    <a:bodyPr/>
+                    <a:lstStyle/>
+                    <a:p>
+                      <a:pPr algn="ctr"/>
+                      <a:r>
+                        <a:rPr lang="pl-PL" dirty="0" err="1"/>
+                        <a:t>Float</a:t>
+                      </a:r>
+                      <a:endParaRPr lang="pl-PL" dirty="0"/>
+                    </a:p>
+                  </a:txBody>
+                  <a:tcPr anchor="ctr"/>
+                </a:tc>
+                <a:tc>
+                  <a:txBody>
+                    <a:bodyPr/>
+                    <a:lstStyle/>
+                    <a:p>
+                      <a:pPr algn="ctr"/>
+                      <a:r>
+                        <a:rPr lang="pl-PL" dirty="0"/>
+                        <a:t>8^21</a:t>
+                      </a:r>
+                    </a:p>
+                  </a:txBody>
+                  <a:tcPr anchor="ctr"/>
+                </a:tc>
+                <a:tc>
+                  <a:txBody>
+                    <a:bodyPr/>
+                    <a:lstStyle/>
+                    <a:p>
+                      <a:pPr algn="ctr"/>
+                      <a:r>
+                        <a:rPr lang="pl-PL" dirty="0"/>
+                        <a:t>9.22337e+18</a:t>
+                      </a:r>
+                    </a:p>
+                  </a:txBody>
+                  <a:tcPr anchor="ctr"/>
+                </a:tc>
+                <a:tc>
+                  <a:txBody>
+                    <a:bodyPr/>
+                    <a:lstStyle/>
+                    <a:p>
+                      <a:pPr algn="ctr"/>
+                      <a:r>
+                        <a:rPr lang="pl-PL" dirty="0"/>
+                        <a:t>9.22337e+18</a:t>
+                      </a:r>
+                    </a:p>
+                  </a:txBody>
+                  <a:tcPr anchor="ctr"/>
+                </a:tc>
+                <a:tc>
+                  <a:txBody>
+                    <a:bodyPr/>
+                    <a:lstStyle/>
+                    <a:p>
+                      <a:pPr algn="ctr"/>
+                      <a:r>
+                        <a:rPr lang="pl-PL" dirty="0"/>
+                        <a:t>0</a:t>
+                      </a:r>
+                    </a:p>
+                  </a:txBody>
+                  <a:tcPr anchor="ctr"/>
+                </a:tc>
+                <a:extLst>
+                  <a:ext uri="{0D108BD9-81ED-4DB2-BD59-A6C34878D82A}">
+                    <a16:rowId xmlns:a16="http://schemas.microsoft.com/office/drawing/2014/main" val="177709927"/>
+                  </a:ext>
+                </a:extLst>
+              </a:tr>
+              <a:tr h="370840">
+                <a:tc>
+                  <a:txBody>
+                    <a:bodyPr/>
+                    <a:lstStyle/>
+                    <a:p>
+                      <a:pPr algn="ctr"/>
+                      <a:r>
+                        <a:rPr lang="pl-PL" dirty="0" err="1"/>
+                        <a:t>Float</a:t>
+                      </a:r>
+                      <a:endParaRPr lang="pl-PL" dirty="0"/>
+                    </a:p>
+                  </a:txBody>
+                  <a:tcPr anchor="ctr"/>
+                </a:tc>
+                <a:tc>
+                  <a:txBody>
+                    <a:bodyPr/>
+                    <a:lstStyle/>
+                    <a:p>
+                      <a:pPr algn="ctr"/>
+                      <a:r>
+                        <a:rPr lang="pl-PL" dirty="0"/>
+                        <a:t>8^22</a:t>
+                      </a:r>
+                    </a:p>
+                  </a:txBody>
+                  <a:tcPr anchor="ctr"/>
+                </a:tc>
+                <a:tc>
+                  <a:txBody>
+                    <a:bodyPr/>
+                    <a:lstStyle/>
+                    <a:p>
+                      <a:pPr algn="ctr"/>
+                      <a:r>
+                        <a:rPr lang="pl-PL" dirty="0" err="1"/>
+                        <a:t>inf</a:t>
+                      </a:r>
+                      <a:endParaRPr lang="pl-PL" dirty="0"/>
+                    </a:p>
+                  </a:txBody>
+                  <a:tcPr anchor="ctr"/>
+                </a:tc>
+                <a:tc>
+                  <a:txBody>
+                    <a:bodyPr/>
+                    <a:lstStyle/>
+                    <a:p>
+                      <a:pPr algn="ctr"/>
+                      <a:r>
+                        <a:rPr lang="pl-PL" dirty="0" err="1"/>
+                        <a:t>nan</a:t>
+                      </a:r>
+                      <a:endParaRPr lang="pl-PL" dirty="0"/>
+                    </a:p>
+                  </a:txBody>
+                  <a:tcPr anchor="ctr"/>
+                </a:tc>
+                <a:tc>
+                  <a:txBody>
+                    <a:bodyPr/>
+                    <a:lstStyle/>
+                    <a:p>
+                      <a:pPr algn="ctr"/>
+                      <a:r>
+                        <a:rPr lang="pl-PL" dirty="0" err="1"/>
+                        <a:t>nan</a:t>
+                      </a:r>
+                      <a:endParaRPr lang="pl-PL" dirty="0"/>
+                    </a:p>
+                  </a:txBody>
+                  <a:tcPr anchor="ctr"/>
+                </a:tc>
+                <a:extLst>
+                  <a:ext uri="{0D108BD9-81ED-4DB2-BD59-A6C34878D82A}">
+                    <a16:rowId xmlns:a16="http://schemas.microsoft.com/office/drawing/2014/main" val="1438131314"/>
+                  </a:ext>
+                </a:extLst>
+              </a:tr>
+              <a:tr h="370840">
+                <a:tc>
+                  <a:txBody>
+                    <a:bodyPr/>
+                    <a:lstStyle/>
+                    <a:p>
+                      <a:pPr algn="ctr"/>
+                      <a:r>
+                        <a:rPr lang="pl-PL" dirty="0" err="1"/>
+                        <a:t>Double</a:t>
+                      </a:r>
+                      <a:endParaRPr lang="pl-PL" dirty="0"/>
+                    </a:p>
+                  </a:txBody>
+                  <a:tcPr anchor="ctr"/>
+                </a:tc>
+                <a:tc>
+                  <a:txBody>
+                    <a:bodyPr/>
+                    <a:lstStyle/>
+                    <a:p>
+                      <a:pPr algn="ctr"/>
+                      <a:r>
+                        <a:rPr lang="pl-PL" dirty="0"/>
+                        <a:t>8</a:t>
+                      </a:r>
+                    </a:p>
+                  </a:txBody>
+                  <a:tcPr anchor="ctr"/>
+                </a:tc>
+                <a:tc>
+                  <a:txBody>
+                    <a:bodyPr/>
+                    <a:lstStyle/>
+                    <a:p>
+                      <a:pPr algn="ctr"/>
+                      <a:r>
+                        <a:rPr lang="pl-PL" dirty="0"/>
+                        <a:t>7.06226</a:t>
+                      </a:r>
+                    </a:p>
+                  </a:txBody>
+                  <a:tcPr anchor="ctr"/>
+                </a:tc>
+                <a:tc>
+                  <a:txBody>
+                    <a:bodyPr/>
+                    <a:lstStyle/>
+                    <a:p>
+                      <a:pPr algn="ctr"/>
+                      <a:r>
+                        <a:rPr lang="pl-PL" dirty="0"/>
+                        <a:t>7.06226</a:t>
+                      </a:r>
+                    </a:p>
+                  </a:txBody>
+                  <a:tcPr anchor="ctr"/>
+                </a:tc>
+                <a:tc>
+                  <a:txBody>
+                    <a:bodyPr/>
+                    <a:lstStyle/>
+                    <a:p>
+                      <a:pPr algn="ctr"/>
+                      <a:r>
+                        <a:rPr lang="pl-PL" dirty="0"/>
+                        <a:t>8.88178e-16</a:t>
+                      </a:r>
+                    </a:p>
+                  </a:txBody>
+                  <a:tcPr anchor="ctr"/>
+                </a:tc>
+                <a:extLst>
+                  <a:ext uri="{0D108BD9-81ED-4DB2-BD59-A6C34878D82A}">
+                    <a16:rowId xmlns:a16="http://schemas.microsoft.com/office/drawing/2014/main" val="3403744831"/>
+                  </a:ext>
+                </a:extLst>
+              </a:tr>
+              <a:tr h="370840">
+                <a:tc>
+                  <a:txBody>
+                    <a:bodyPr/>
+                    <a:lstStyle/>
+                    <a:p>
+                      <a:pPr algn="ctr"/>
+                      <a:r>
+                        <a:rPr lang="pl-PL" dirty="0" err="1"/>
+                        <a:t>Double</a:t>
+                      </a:r>
+                      <a:endParaRPr lang="pl-PL" dirty="0"/>
+                    </a:p>
+                  </a:txBody>
+                  <a:tcPr anchor="ctr"/>
+                </a:tc>
+                <a:tc>
+                  <a:txBody>
+                    <a:bodyPr/>
+                    <a:lstStyle/>
+                    <a:p>
+                      <a:pPr algn="ctr"/>
+                      <a:r>
+                        <a:rPr lang="pl-PL" dirty="0"/>
+                        <a:t>8^2</a:t>
+                      </a:r>
+                    </a:p>
+                  </a:txBody>
+                  <a:tcPr anchor="ctr"/>
+                </a:tc>
+                <a:tc>
+                  <a:txBody>
+                    <a:bodyPr/>
+                    <a:lstStyle/>
+                    <a:p>
+                      <a:pPr algn="ctr"/>
+                      <a:r>
+                        <a:rPr lang="pl-PL" dirty="0"/>
+                        <a:t>63.0078</a:t>
+                      </a:r>
+                    </a:p>
+                  </a:txBody>
+                  <a:tcPr anchor="ctr"/>
+                </a:tc>
+                <a:tc>
+                  <a:txBody>
+                    <a:bodyPr/>
+                    <a:lstStyle/>
+                    <a:p>
+                      <a:pPr algn="ctr"/>
+                      <a:r>
+                        <a:rPr lang="pl-PL" dirty="0"/>
+                        <a:t>63.0078</a:t>
+                      </a:r>
+                    </a:p>
+                  </a:txBody>
+                  <a:tcPr anchor="ctr"/>
+                </a:tc>
+                <a:tc>
+                  <a:txBody>
+                    <a:bodyPr/>
+                    <a:lstStyle/>
+                    <a:p>
+                      <a:pPr algn="ctr"/>
+                      <a:r>
+                        <a:rPr lang="pl-PL" dirty="0"/>
+                        <a:t>7.10543e-15</a:t>
+                      </a:r>
+                    </a:p>
+                  </a:txBody>
+                  <a:tcPr anchor="ctr"/>
+                </a:tc>
+                <a:extLst>
+                  <a:ext uri="{0D108BD9-81ED-4DB2-BD59-A6C34878D82A}">
+                    <a16:rowId xmlns:a16="http://schemas.microsoft.com/office/drawing/2014/main" val="3290674353"/>
+                  </a:ext>
+                </a:extLst>
+              </a:tr>
+              <a:tr h="370840">
+                <a:tc>
+                  <a:txBody>
+                    <a:bodyPr/>
+                    <a:lstStyle/>
+                    <a:p>
+                      <a:pPr algn="ctr"/>
+                      <a:r>
+                        <a:rPr lang="pl-PL" dirty="0" err="1"/>
+                        <a:t>Double</a:t>
+                      </a:r>
+                      <a:endParaRPr lang="pl-PL" dirty="0"/>
+                    </a:p>
+                  </a:txBody>
+                  <a:tcPr anchor="ctr"/>
+                </a:tc>
+                <a:tc>
+                  <a:txBody>
+                    <a:bodyPr/>
+                    <a:lstStyle/>
+                    <a:p>
+                      <a:pPr algn="ctr"/>
+                      <a:r>
+                        <a:rPr lang="pl-PL" dirty="0"/>
+                        <a:t>8^170</a:t>
+                      </a:r>
+                    </a:p>
+                  </a:txBody>
+                  <a:tcPr anchor="ctr"/>
+                </a:tc>
+                <a:tc>
+                  <a:txBody>
+                    <a:bodyPr/>
+                    <a:lstStyle/>
+                    <a:p>
+                      <a:pPr algn="ctr"/>
+                      <a:r>
+                        <a:rPr lang="pl-PL" dirty="0"/>
+                        <a:t>3.35195e+153</a:t>
+                      </a:r>
+                    </a:p>
+                  </a:txBody>
+                  <a:tcPr anchor="ctr"/>
+                </a:tc>
+                <a:tc>
+                  <a:txBody>
+                    <a:bodyPr/>
+                    <a:lstStyle/>
+                    <a:p>
+                      <a:pPr algn="ctr"/>
+                      <a:r>
+                        <a:rPr lang="pl-PL" dirty="0"/>
+                        <a:t>3.35195e+153</a:t>
+                      </a:r>
+                    </a:p>
+                  </a:txBody>
+                  <a:tcPr anchor="ctr"/>
+                </a:tc>
+                <a:tc>
+                  <a:txBody>
+                    <a:bodyPr/>
+                    <a:lstStyle/>
+                    <a:p>
+                      <a:pPr algn="ctr"/>
+                      <a:r>
+                        <a:rPr lang="pl-PL" dirty="0"/>
+                        <a:t>0</a:t>
+                      </a:r>
+                    </a:p>
+                  </a:txBody>
+                  <a:tcPr anchor="ctr"/>
+                </a:tc>
+                <a:extLst>
+                  <a:ext uri="{0D108BD9-81ED-4DB2-BD59-A6C34878D82A}">
+                    <a16:rowId xmlns:a16="http://schemas.microsoft.com/office/drawing/2014/main" val="3415171195"/>
+                  </a:ext>
+                </a:extLst>
+              </a:tr>
+              <a:tr h="370840">
+                <a:tc>
+                  <a:txBody>
+                    <a:bodyPr/>
+                    <a:lstStyle/>
+                    <a:p>
+                      <a:pPr algn="ctr"/>
+                      <a:r>
+                        <a:rPr lang="pl-PL" dirty="0" err="1"/>
+                        <a:t>Double</a:t>
+                      </a:r>
+                      <a:endParaRPr lang="pl-PL" dirty="0"/>
+                    </a:p>
+                  </a:txBody>
+                  <a:tcPr anchor="ctr"/>
+                </a:tc>
+                <a:tc>
+                  <a:txBody>
+                    <a:bodyPr/>
+                    <a:lstStyle/>
+                    <a:p>
+                      <a:pPr algn="ctr"/>
+                      <a:r>
+                        <a:rPr lang="pl-PL" dirty="0"/>
+                        <a:t>8^171</a:t>
+                      </a:r>
+                    </a:p>
+                  </a:txBody>
+                  <a:tcPr anchor="ctr"/>
+                </a:tc>
+                <a:tc>
+                  <a:txBody>
+                    <a:bodyPr/>
+                    <a:lstStyle/>
+                    <a:p>
+                      <a:pPr algn="ctr"/>
+                      <a:r>
+                        <a:rPr lang="pl-PL" dirty="0" err="1"/>
+                        <a:t>inf</a:t>
+                      </a:r>
+                      <a:endParaRPr lang="pl-PL" dirty="0"/>
+                    </a:p>
+                  </a:txBody>
+                  <a:tcPr anchor="ctr"/>
+                </a:tc>
+                <a:tc>
+                  <a:txBody>
+                    <a:bodyPr/>
+                    <a:lstStyle/>
+                    <a:p>
+                      <a:pPr algn="ctr"/>
+                      <a:r>
+                        <a:rPr lang="pl-PL" dirty="0" err="1"/>
+                        <a:t>nan</a:t>
+                      </a:r>
+                      <a:endParaRPr lang="pl-PL" dirty="0"/>
+                    </a:p>
+                  </a:txBody>
+                  <a:tcPr anchor="ctr"/>
+                </a:tc>
+                <a:tc>
+                  <a:txBody>
+                    <a:bodyPr/>
+                    <a:lstStyle/>
+                    <a:p>
+                      <a:pPr algn="ctr"/>
+                      <a:r>
+                        <a:rPr lang="pl-PL" dirty="0" err="1"/>
+                        <a:t>nan</a:t>
+                      </a:r>
+                      <a:endParaRPr lang="pl-PL" dirty="0"/>
+                    </a:p>
+                  </a:txBody>
+                  <a:tcPr anchor="ctr"/>
+                </a:tc>
+                <a:extLst>
+                  <a:ext uri="{0D108BD9-81ED-4DB2-BD59-A6C34878D82A}">
+                    <a16:rowId xmlns:a16="http://schemas.microsoft.com/office/drawing/2014/main" val="3714797064"/>
+                  </a:ext>
+                </a:extLst>
+              </a:tr>
+              <a:tr h="370840">
+                <a:tc>
+                  <a:txBody>
+                    <a:bodyPr/>
+                    <a:lstStyle/>
+                    <a:p>
+                      <a:pPr algn="ctr"/>
+                      <a:r>
+                        <a:rPr lang="pl-PL" dirty="0" err="1"/>
+                        <a:t>Long</a:t>
+                      </a:r>
+                      <a:r>
+                        <a:rPr lang="pl-PL" dirty="0"/>
+                        <a:t> </a:t>
+                      </a:r>
+                      <a:r>
+                        <a:rPr lang="pl-PL" dirty="0" err="1"/>
+                        <a:t>Double</a:t>
+                      </a:r>
+                      <a:endParaRPr lang="pl-PL" dirty="0"/>
+                    </a:p>
+                  </a:txBody>
+                  <a:tcPr anchor="ctr"/>
+                </a:tc>
+                <a:tc>
+                  <a:txBody>
+                    <a:bodyPr/>
+                    <a:lstStyle/>
+                    <a:p>
+                      <a:pPr marL="0" marR="0" lvl="0" indent="0" algn="ctr" defTabSz="914400" rtl="0" eaLnBrk="1" fontAlgn="auto" latinLnBrk="0" hangingPunct="1">
+                        <a:lnSpc>
+                          <a:spcPct val="100000"/>
+                        </a:lnSpc>
+                        <a:spcBef>
+                          <a:spcPts val="0"/>
+                        </a:spcBef>
+                        <a:spcAft>
+                          <a:spcPts val="0"/>
+                        </a:spcAft>
+                        <a:buClrTx/>
+                        <a:buSzTx/>
+                        <a:buFontTx/>
+                        <a:buNone/>
+                        <a:tabLst/>
+                        <a:defRPr/>
+                      </a:pPr>
+                      <a:r>
+                        <a:rPr lang="pl-PL" dirty="0"/>
+                        <a:t>8</a:t>
+                      </a:r>
+                    </a:p>
+                  </a:txBody>
+                  <a:tcPr anchor="ctr"/>
+                </a:tc>
+                <a:tc>
+                  <a:txBody>
+                    <a:bodyPr/>
+                    <a:lstStyle/>
+                    <a:p>
+                      <a:pPr marL="0" marR="0" lvl="0" indent="0" algn="ctr" defTabSz="914400" rtl="0" eaLnBrk="1" fontAlgn="auto" latinLnBrk="0" hangingPunct="1">
+                        <a:lnSpc>
+                          <a:spcPct val="100000"/>
+                        </a:lnSpc>
+                        <a:spcBef>
+                          <a:spcPts val="0"/>
+                        </a:spcBef>
+                        <a:spcAft>
+                          <a:spcPts val="0"/>
+                        </a:spcAft>
+                        <a:buClrTx/>
+                        <a:buSzTx/>
+                        <a:buFontTx/>
+                        <a:buNone/>
+                        <a:tabLst/>
+                        <a:defRPr/>
+                      </a:pPr>
+                      <a:r>
+                        <a:rPr lang="pl-PL" dirty="0"/>
+                        <a:t>7.06226</a:t>
+                      </a:r>
+                    </a:p>
+                  </a:txBody>
+                  <a:tcPr anchor="ctr"/>
+                </a:tc>
+                <a:tc>
+                  <a:txBody>
+                    <a:bodyPr/>
+                    <a:lstStyle/>
+                    <a:p>
+                      <a:pPr algn="ctr"/>
+                      <a:r>
+                        <a:rPr lang="pl-PL" dirty="0"/>
+                        <a:t>7.06226</a:t>
+                      </a:r>
+                    </a:p>
+                  </a:txBody>
+                  <a:tcPr anchor="ctr"/>
+                </a:tc>
+                <a:tc>
+                  <a:txBody>
+                    <a:bodyPr/>
+                    <a:lstStyle/>
+                    <a:p>
+                      <a:pPr algn="ctr"/>
+                      <a:r>
+                        <a:rPr lang="pl-PL" dirty="0"/>
+                        <a:t>8.67362e-19</a:t>
+                      </a:r>
+                    </a:p>
+                  </a:txBody>
+                  <a:tcPr anchor="ctr"/>
+                </a:tc>
+                <a:extLst>
+                  <a:ext uri="{0D108BD9-81ED-4DB2-BD59-A6C34878D82A}">
+                    <a16:rowId xmlns:a16="http://schemas.microsoft.com/office/drawing/2014/main" val="3836105555"/>
+                  </a:ext>
+                </a:extLst>
+              </a:tr>
+              <a:tr h="370840">
+                <a:tc>
+                  <a:txBody>
+                    <a:bodyPr/>
+                    <a:lstStyle/>
+                    <a:p>
+                      <a:pPr marL="0" marR="0" lvl="0" indent="0" algn="ctr" defTabSz="914400" rtl="0" eaLnBrk="1" fontAlgn="auto" latinLnBrk="0" hangingPunct="1">
+                        <a:lnSpc>
+                          <a:spcPct val="100000"/>
+                        </a:lnSpc>
+                        <a:spcBef>
+                          <a:spcPts val="0"/>
+                        </a:spcBef>
+                        <a:spcAft>
+                          <a:spcPts val="0"/>
+                        </a:spcAft>
+                        <a:buClrTx/>
+                        <a:buSzTx/>
+                        <a:buFontTx/>
+                        <a:buNone/>
+                        <a:tabLst/>
+                        <a:defRPr/>
+                      </a:pPr>
+                      <a:r>
+                        <a:rPr lang="pl-PL" dirty="0" err="1"/>
+                        <a:t>Long</a:t>
+                      </a:r>
+                      <a:r>
+                        <a:rPr lang="pl-PL" dirty="0"/>
+                        <a:t> </a:t>
+                      </a:r>
+                      <a:r>
+                        <a:rPr lang="pl-PL" dirty="0" err="1"/>
+                        <a:t>Double</a:t>
+                      </a:r>
+                      <a:endParaRPr lang="pl-PL" dirty="0"/>
+                    </a:p>
+                  </a:txBody>
+                  <a:tcPr anchor="ctr"/>
+                </a:tc>
+                <a:tc>
+                  <a:txBody>
+                    <a:bodyPr/>
+                    <a:lstStyle/>
+                    <a:p>
+                      <a:pPr marL="0" marR="0" lvl="0" indent="0" algn="ctr" defTabSz="914400" rtl="0" eaLnBrk="1" fontAlgn="auto" latinLnBrk="0" hangingPunct="1">
+                        <a:lnSpc>
+                          <a:spcPct val="100000"/>
+                        </a:lnSpc>
+                        <a:spcBef>
+                          <a:spcPts val="0"/>
+                        </a:spcBef>
+                        <a:spcAft>
+                          <a:spcPts val="0"/>
+                        </a:spcAft>
+                        <a:buClrTx/>
+                        <a:buSzTx/>
+                        <a:buFontTx/>
+                        <a:buNone/>
+                        <a:tabLst/>
+                        <a:defRPr/>
+                      </a:pPr>
+                      <a:r>
+                        <a:rPr lang="pl-PL" dirty="0"/>
+                        <a:t>8^2</a:t>
+                      </a:r>
+                    </a:p>
+                  </a:txBody>
+                  <a:tcPr anchor="ctr"/>
+                </a:tc>
+                <a:tc>
+                  <a:txBody>
+                    <a:bodyPr/>
+                    <a:lstStyle/>
+                    <a:p>
+                      <a:pPr algn="ctr"/>
+                      <a:r>
+                        <a:rPr lang="pl-PL" dirty="0"/>
+                        <a:t>63.0078</a:t>
+                      </a:r>
+                    </a:p>
+                  </a:txBody>
+                  <a:tcPr anchor="ctr"/>
+                </a:tc>
+                <a:tc>
+                  <a:txBody>
+                    <a:bodyPr/>
+                    <a:lstStyle/>
+                    <a:p>
+                      <a:pPr algn="ctr"/>
+                      <a:r>
+                        <a:rPr lang="pl-PL" dirty="0"/>
+                        <a:t>63.0078</a:t>
+                      </a:r>
+                    </a:p>
+                  </a:txBody>
+                  <a:tcPr anchor="ctr"/>
+                </a:tc>
+                <a:tc>
+                  <a:txBody>
+                    <a:bodyPr/>
+                    <a:lstStyle/>
+                    <a:p>
+                      <a:pPr algn="ctr"/>
+                      <a:r>
+                        <a:rPr lang="pl-PL" dirty="0"/>
+                        <a:t>3.46945e-18</a:t>
+                      </a:r>
+                    </a:p>
+                  </a:txBody>
+                  <a:tcPr anchor="ctr"/>
+                </a:tc>
+                <a:extLst>
+                  <a:ext uri="{0D108BD9-81ED-4DB2-BD59-A6C34878D82A}">
+                    <a16:rowId xmlns:a16="http://schemas.microsoft.com/office/drawing/2014/main" val="2879406866"/>
+                  </a:ext>
+                </a:extLst>
+              </a:tr>
+              <a:tr h="370840">
+                <a:tc>
+                  <a:txBody>
+                    <a:bodyPr/>
+                    <a:lstStyle/>
+                    <a:p>
+                      <a:pPr algn="ctr"/>
+                      <a:r>
+                        <a:rPr lang="pl-PL" dirty="0" err="1"/>
+                        <a:t>Long</a:t>
+                      </a:r>
+                      <a:r>
+                        <a:rPr lang="pl-PL" dirty="0"/>
+                        <a:t> </a:t>
+                      </a:r>
+                      <a:r>
+                        <a:rPr lang="pl-PL" dirty="0" err="1"/>
+                        <a:t>Double</a:t>
+                      </a:r>
+                      <a:endParaRPr lang="pl-PL" dirty="0"/>
+                    </a:p>
+                  </a:txBody>
+                  <a:tcPr anchor="ctr"/>
+                </a:tc>
+                <a:tc>
+                  <a:txBody>
+                    <a:bodyPr/>
+                    <a:lstStyle/>
+                    <a:p>
+                      <a:pPr marL="0" marR="0" lvl="0" indent="0" algn="ctr" defTabSz="914400" rtl="0" eaLnBrk="1" fontAlgn="auto" latinLnBrk="0" hangingPunct="1">
+                        <a:lnSpc>
+                          <a:spcPct val="100000"/>
+                        </a:lnSpc>
+                        <a:spcBef>
+                          <a:spcPts val="0"/>
+                        </a:spcBef>
+                        <a:spcAft>
+                          <a:spcPts val="0"/>
+                        </a:spcAft>
+                        <a:buClrTx/>
+                        <a:buSzTx/>
+                        <a:buFontTx/>
+                        <a:buNone/>
+                        <a:tabLst/>
+                        <a:defRPr/>
+                      </a:pPr>
+                      <a:r>
+                        <a:rPr lang="pl-PL" dirty="0"/>
+                        <a:t>8^341</a:t>
+                      </a:r>
+                    </a:p>
+                  </a:txBody>
+                  <a:tcPr anchor="ctr"/>
+                </a:tc>
+                <a:tc>
+                  <a:txBody>
+                    <a:bodyPr/>
+                    <a:lstStyle/>
+                    <a:p>
+                      <a:pPr algn="ctr"/>
+                      <a:r>
+                        <a:rPr lang="pl-PL" dirty="0"/>
+                        <a:t>8.98847e+307</a:t>
+                      </a:r>
+                    </a:p>
+                  </a:txBody>
+                  <a:tcPr anchor="ctr"/>
+                </a:tc>
+                <a:tc>
+                  <a:txBody>
+                    <a:bodyPr/>
+                    <a:lstStyle/>
+                    <a:p>
+                      <a:pPr algn="ctr"/>
+                      <a:r>
+                        <a:rPr lang="pl-PL" dirty="0"/>
+                        <a:t>8.98847e+307</a:t>
+                      </a:r>
+                    </a:p>
+                  </a:txBody>
+                  <a:tcPr anchor="ctr"/>
+                </a:tc>
+                <a:tc>
+                  <a:txBody>
+                    <a:bodyPr/>
+                    <a:lstStyle/>
+                    <a:p>
+                      <a:pPr algn="ctr"/>
+                      <a:r>
+                        <a:rPr lang="pl-PL" dirty="0"/>
+                        <a:t>0</a:t>
+                      </a:r>
+                    </a:p>
+                  </a:txBody>
+                  <a:tcPr anchor="ctr"/>
+                </a:tc>
+                <a:extLst>
+                  <a:ext uri="{0D108BD9-81ED-4DB2-BD59-A6C34878D82A}">
+                    <a16:rowId xmlns:a16="http://schemas.microsoft.com/office/drawing/2014/main" val="35575038"/>
+                  </a:ext>
+                </a:extLst>
+              </a:tr>
+              <a:tr h="370840">
+                <a:tc>
+                  <a:txBody>
+                    <a:bodyPr/>
+                    <a:lstStyle/>
+                    <a:p>
+                      <a:pPr algn="ctr"/>
+                      <a:r>
+                        <a:rPr lang="pl-PL" dirty="0" err="1"/>
+                        <a:t>Long</a:t>
+                      </a:r>
+                      <a:r>
+                        <a:rPr lang="pl-PL" dirty="0"/>
+                        <a:t> </a:t>
+                      </a:r>
+                      <a:r>
+                        <a:rPr lang="pl-PL" dirty="0" err="1"/>
+                        <a:t>Double</a:t>
+                      </a:r>
+                      <a:endParaRPr lang="pl-PL" dirty="0"/>
+                    </a:p>
+                  </a:txBody>
+                  <a:tcPr anchor="ctr"/>
+                </a:tc>
+                <a:tc>
+                  <a:txBody>
+                    <a:bodyPr/>
+                    <a:lstStyle/>
+                    <a:p>
+                      <a:pPr marL="0" marR="0" lvl="0" indent="0" algn="ctr" defTabSz="914400" rtl="0" eaLnBrk="1" fontAlgn="auto" latinLnBrk="0" hangingPunct="1">
+                        <a:lnSpc>
+                          <a:spcPct val="100000"/>
+                        </a:lnSpc>
+                        <a:spcBef>
+                          <a:spcPts val="0"/>
+                        </a:spcBef>
+                        <a:spcAft>
+                          <a:spcPts val="0"/>
+                        </a:spcAft>
+                        <a:buClrTx/>
+                        <a:buSzTx/>
+                        <a:buFontTx/>
+                        <a:buNone/>
+                        <a:tabLst/>
+                        <a:defRPr/>
+                      </a:pPr>
+                      <a:r>
+                        <a:rPr lang="pl-PL" dirty="0"/>
+                        <a:t>8^342</a:t>
+                      </a:r>
+                    </a:p>
+                  </a:txBody>
+                  <a:tcPr anchor="ctr"/>
+                </a:tc>
+                <a:tc>
+                  <a:txBody>
+                    <a:bodyPr/>
+                    <a:lstStyle/>
+                    <a:p>
+                      <a:pPr algn="ctr"/>
+                      <a:r>
+                        <a:rPr lang="pl-PL" dirty="0" err="1"/>
+                        <a:t>inf</a:t>
+                      </a:r>
+                      <a:endParaRPr lang="pl-PL" dirty="0"/>
+                    </a:p>
+                  </a:txBody>
+                  <a:tcPr anchor="ctr"/>
+                </a:tc>
+                <a:tc>
+                  <a:txBody>
+                    <a:bodyPr/>
+                    <a:lstStyle/>
+                    <a:p>
+                      <a:pPr algn="ctr"/>
+                      <a:r>
+                        <a:rPr lang="pl-PL" dirty="0" err="1"/>
+                        <a:t>nan</a:t>
+                      </a:r>
+                      <a:endParaRPr lang="pl-PL" dirty="0"/>
+                    </a:p>
+                  </a:txBody>
+                  <a:tcPr anchor="ctr"/>
+                </a:tc>
+                <a:tc>
+                  <a:txBody>
+                    <a:bodyPr/>
+                    <a:lstStyle/>
+                    <a:p>
+                      <a:pPr algn="ctr"/>
+                      <a:r>
+                        <a:rPr lang="pl-PL" dirty="0" err="1"/>
+                        <a:t>nan</a:t>
+                      </a:r>
+                      <a:endParaRPr lang="pl-PL" dirty="0"/>
+                    </a:p>
+                  </a:txBody>
+                  <a:tcPr anchor="ctr"/>
+                </a:tc>
+                <a:extLst>
+                  <a:ext uri="{0D108BD9-81ED-4DB2-BD59-A6C34878D82A}">
+                    <a16:rowId xmlns:a16="http://schemas.microsoft.com/office/drawing/2014/main" val="3139568383"/>
+                  </a:ext>
+                </a:extLst>
+              </a:tr>
+            </a:tbl>
+          </a:graphicData>
+        </a:graphic>
+      </p:graphicFrame>
     </p:spTree>
     <p:extLst>
       <p:ext uri="{BB962C8B-B14F-4D97-AF65-F5344CB8AC3E}">
-        <p14:creationId xmlns:p14="http://schemas.microsoft.com/office/powerpoint/2010/main" val="3989081469"/>
+        <p14:creationId xmlns:p14="http://schemas.microsoft.com/office/powerpoint/2010/main" val="426429268"/>
       </p:ext>
     </p:extLst>
   </p:cSld>
@@ -3749,92 +4834,6 @@
           <p:cNvPr id="2" name="Tytuł 1">
             <a:extLst>
               <a:ext uri="{FF2B5EF4-FFF2-40B4-BE49-F238E27FC236}">
-                <a16:creationId xmlns:a16="http://schemas.microsoft.com/office/drawing/2014/main" id="{7E36D203-3E90-E254-22C7-5AB03D5D93F2}"/>
-              </a:ext>
-            </a:extLst>
-          </p:cNvPr>
-          <p:cNvSpPr>
-            <a:spLocks noGrp="1"/>
-          </p:cNvSpPr>
-          <p:nvPr>
-            <p:ph type="title"/>
-          </p:nvPr>
-        </p:nvSpPr>
-        <p:spPr/>
-        <p:txBody>
-          <a:bodyPr/>
-          <a:lstStyle/>
-          <a:p>
-            <a:r>
-              <a:rPr lang="pl-PL" dirty="0"/>
-              <a:t>Informacje techniczne</a:t>
-            </a:r>
-          </a:p>
-        </p:txBody>
-      </p:sp>
-      <p:sp>
-        <p:nvSpPr>
-          <p:cNvPr id="3" name="Symbol zastępczy zawartości 2">
-            <a:extLst>
-              <a:ext uri="{FF2B5EF4-FFF2-40B4-BE49-F238E27FC236}">
-                <a16:creationId xmlns:a16="http://schemas.microsoft.com/office/drawing/2014/main" id="{71705778-AE9A-C2B8-BCDC-A6D672836493}"/>
-              </a:ext>
-            </a:extLst>
-          </p:cNvPr>
-          <p:cNvSpPr>
-            <a:spLocks noGrp="1"/>
-          </p:cNvSpPr>
-          <p:nvPr>
-            <p:ph idx="1"/>
-          </p:nvPr>
-        </p:nvSpPr>
-        <p:spPr/>
-        <p:txBody>
-          <a:bodyPr/>
-          <a:lstStyle/>
-          <a:p>
-            <a:r>
-              <a:rPr lang="pl-PL" dirty="0"/>
-              <a:t>Kod pisany w C++</a:t>
-            </a:r>
-          </a:p>
-        </p:txBody>
-      </p:sp>
-    </p:spTree>
-    <p:extLst>
-      <p:ext uri="{BB962C8B-B14F-4D97-AF65-F5344CB8AC3E}">
-        <p14:creationId xmlns:p14="http://schemas.microsoft.com/office/powerpoint/2010/main" val="731174051"/>
-      </p:ext>
-    </p:extLst>
-  </p:cSld>
-  <p:clrMapOvr>
-    <a:masterClrMapping/>
-  </p:clrMapOvr>
-</p:sld>
-</file>
-
-<file path=ppt/slides/slide3.xml><?xml version="1.0" encoding="utf-8"?>
-<p:sld xmlns:a="http://schemas.openxmlformats.org/drawingml/2006/main" xmlns:r="http://schemas.openxmlformats.org/officeDocument/2006/relationships" xmlns:p="http://schemas.openxmlformats.org/presentationml/2006/main">
-  <p:cSld>
-    <p:spTree>
-      <p:nvGrpSpPr>
-        <p:cNvPr id="1" name=""/>
-        <p:cNvGrpSpPr/>
-        <p:nvPr/>
-      </p:nvGrpSpPr>
-      <p:grpSpPr>
-        <a:xfrm>
-          <a:off x="0" y="0"/>
-          <a:ext cx="0" cy="0"/>
-          <a:chOff x="0" y="0"/>
-          <a:chExt cx="0" cy="0"/>
-        </a:xfrm>
-      </p:grpSpPr>
-      <p:sp>
-        <p:nvSpPr>
-          <p:cNvPr id="2" name="Tytuł 1">
-            <a:extLst>
-              <a:ext uri="{FF2B5EF4-FFF2-40B4-BE49-F238E27FC236}">
                 <a16:creationId xmlns:a16="http://schemas.microsoft.com/office/drawing/2014/main" id="{9835E777-3AF3-A531-735C-225D756D7AB6}"/>
               </a:ext>
             </a:extLst>
@@ -3921,6 +4920,49 @@
               <a:t>x = 8^-1, 8^-2, … ,8^-15</a:t>
             </a:r>
           </a:p>
+          <a:p>
+            <a:pPr marL="0" indent="0">
+              <a:buNone/>
+            </a:pPr>
+            <a:r>
+              <a:rPr lang="pl-PL" sz="4400" dirty="0">
+                <a:latin typeface="+mj-lt"/>
+              </a:rPr>
+              <a:t>Informacje</a:t>
+            </a:r>
+            <a:r>
+              <a:rPr lang="pl-PL" sz="4400" dirty="0">
+                <a:latin typeface="Calibri nagłówki"/>
+              </a:rPr>
+              <a:t> </a:t>
+            </a:r>
+            <a:r>
+              <a:rPr lang="pl-PL" sz="4400" dirty="0">
+                <a:latin typeface="+mj-lt"/>
+              </a:rPr>
+              <a:t>techniczne</a:t>
+            </a:r>
+            <a:r>
+              <a:rPr lang="pl-PL" sz="4400" dirty="0">
+                <a:latin typeface="Calibri nagłówki"/>
+              </a:rPr>
+              <a:t>:</a:t>
+            </a:r>
+          </a:p>
+          <a:p>
+            <a:r>
+              <a:rPr lang="pl-PL" dirty="0"/>
+              <a:t>Kod pisany w C++</a:t>
+            </a:r>
+          </a:p>
+          <a:p>
+            <a:pPr marL="0" indent="0">
+              <a:buNone/>
+            </a:pPr>
+            <a:endParaRPr lang="pl-PL" dirty="0">
+              <a:latin typeface="Calibri nagłówki"/>
+            </a:endParaRPr>
+          </a:p>
         </p:txBody>
       </p:sp>
     </p:spTree>
@@ -3936,7 +4978,7 @@
 </p:sld>
 </file>
 
-<file path=ppt/slides/slide4.xml><?xml version="1.0" encoding="utf-8"?>
+<file path=ppt/slides/slide3.xml><?xml version="1.0" encoding="utf-8"?>
 <p:sld xmlns:a="http://schemas.openxmlformats.org/drawingml/2006/main" xmlns:r="http://schemas.openxmlformats.org/officeDocument/2006/relationships" xmlns:p="http://schemas.openxmlformats.org/presentationml/2006/main">
   <p:cSld>
     <p:spTree>
@@ -7591,7 +8633,7 @@
 </p:sld>
 </file>
 
-<file path=ppt/slides/slide5.xml><?xml version="1.0" encoding="utf-8"?>
+<file path=ppt/slides/slide4.xml><?xml version="1.0" encoding="utf-8"?>
 <p:sld xmlns:a="http://schemas.openxmlformats.org/drawingml/2006/main" xmlns:r="http://schemas.openxmlformats.org/officeDocument/2006/relationships" xmlns:p="http://schemas.openxmlformats.org/presentationml/2006/main">
   <p:cSld>
     <p:spTree>
@@ -7693,7 +8735,7 @@
 </p:sld>
 </file>
 
-<file path=ppt/slides/slide6.xml><?xml version="1.0" encoding="utf-8"?>
+<file path=ppt/slides/slide5.xml><?xml version="1.0" encoding="utf-8"?>
 <p:sld xmlns:a="http://schemas.openxmlformats.org/drawingml/2006/main" xmlns:r="http://schemas.openxmlformats.org/officeDocument/2006/relationships" xmlns:p="http://schemas.openxmlformats.org/presentationml/2006/main">
   <p:cSld>
     <p:spTree>
@@ -7792,7 +8834,7 @@
 </p:sld>
 </file>
 
-<file path=ppt/slides/slide7.xml><?xml version="1.0" encoding="utf-8"?>
+<file path=ppt/slides/slide6.xml><?xml version="1.0" encoding="utf-8"?>
 <p:sld xmlns:a="http://schemas.openxmlformats.org/drawingml/2006/main" xmlns:r="http://schemas.openxmlformats.org/officeDocument/2006/relationships" xmlns:p="http://schemas.openxmlformats.org/presentationml/2006/main">
   <p:cSld>
     <p:spTree>
@@ -11447,7 +12489,7 @@
 </p:sld>
 </file>
 
-<file path=ppt/slides/slide8.xml><?xml version="1.0" encoding="utf-8"?>
+<file path=ppt/slides/slide7.xml><?xml version="1.0" encoding="utf-8"?>
 <p:sld xmlns:a="http://schemas.openxmlformats.org/drawingml/2006/main" xmlns:r="http://schemas.openxmlformats.org/officeDocument/2006/relationships" xmlns:p="http://schemas.openxmlformats.org/presentationml/2006/main">
   <p:cSld>
     <p:spTree>
@@ -11565,7 +12607,7 @@
 </p:sld>
 </file>
 
-<file path=ppt/slides/slide9.xml><?xml version="1.0" encoding="utf-8"?>
+<file path=ppt/slides/slide8.xml><?xml version="1.0" encoding="utf-8"?>
 <p:sld xmlns:a="http://schemas.openxmlformats.org/drawingml/2006/main" xmlns:r="http://schemas.openxmlformats.org/officeDocument/2006/relationships" xmlns:p="http://schemas.openxmlformats.org/presentationml/2006/main">
   <p:cSld>
     <p:spTree>
@@ -15219,6 +16261,120 @@
     <p:extLst>
       <p:ext uri="{BB962C8B-B14F-4D97-AF65-F5344CB8AC3E}">
         <p14:creationId xmlns:p14="http://schemas.microsoft.com/office/powerpoint/2010/main" val="3764103859"/>
+      </p:ext>
+    </p:extLst>
+  </p:cSld>
+  <p:clrMapOvr>
+    <a:masterClrMapping/>
+  </p:clrMapOvr>
+</p:sld>
+</file>
+
+<file path=ppt/slides/slide9.xml><?xml version="1.0" encoding="utf-8"?>
+<p:sld xmlns:a="http://schemas.openxmlformats.org/drawingml/2006/main" xmlns:r="http://schemas.openxmlformats.org/officeDocument/2006/relationships" xmlns:p="http://schemas.openxmlformats.org/presentationml/2006/main">
+  <p:cSld>
+    <p:spTree>
+      <p:nvGrpSpPr>
+        <p:cNvPr id="1" name=""/>
+        <p:cNvGrpSpPr/>
+        <p:nvPr/>
+      </p:nvGrpSpPr>
+      <p:grpSpPr>
+        <a:xfrm>
+          <a:off x="0" y="0"/>
+          <a:ext cx="0" cy="0"/>
+          <a:chOff x="0" y="0"/>
+          <a:chExt cx="0" cy="0"/>
+        </a:xfrm>
+      </p:grpSpPr>
+      <p:sp>
+        <p:nvSpPr>
+          <p:cNvPr id="2" name="Tytuł 1">
+            <a:extLst>
+              <a:ext uri="{FF2B5EF4-FFF2-40B4-BE49-F238E27FC236}">
+                <a16:creationId xmlns:a16="http://schemas.microsoft.com/office/drawing/2014/main" id="{B95AE45F-6C19-4018-0B10-0B9FA1015060}"/>
+              </a:ext>
+            </a:extLst>
+          </p:cNvPr>
+          <p:cNvSpPr>
+            <a:spLocks noGrp="1"/>
+          </p:cNvSpPr>
+          <p:nvPr>
+            <p:ph type="title"/>
+          </p:nvPr>
+        </p:nvSpPr>
+        <p:spPr/>
+        <p:txBody>
+          <a:bodyPr/>
+          <a:lstStyle/>
+          <a:p>
+            <a:r>
+              <a:rPr lang="pl-PL" dirty="0"/>
+              <a:t>Wnioski dla </a:t>
+            </a:r>
+            <a:r>
+              <a:rPr lang="pl-PL" dirty="0" err="1"/>
+              <a:t>long</a:t>
+            </a:r>
+            <a:r>
+              <a:rPr lang="pl-PL" dirty="0"/>
+              <a:t> </a:t>
+            </a:r>
+            <a:r>
+              <a:rPr lang="pl-PL" dirty="0" err="1"/>
+              <a:t>double</a:t>
+            </a:r>
+            <a:endParaRPr lang="pl-PL" dirty="0"/>
+          </a:p>
+        </p:txBody>
+      </p:sp>
+      <p:sp>
+        <p:nvSpPr>
+          <p:cNvPr id="3" name="Symbol zastępczy zawartości 2">
+            <a:extLst>
+              <a:ext uri="{FF2B5EF4-FFF2-40B4-BE49-F238E27FC236}">
+                <a16:creationId xmlns:a16="http://schemas.microsoft.com/office/drawing/2014/main" id="{EC736CB7-8D94-19D9-4BE3-00624CE2CD54}"/>
+              </a:ext>
+            </a:extLst>
+          </p:cNvPr>
+          <p:cNvSpPr>
+            <a:spLocks noGrp="1"/>
+          </p:cNvSpPr>
+          <p:nvPr>
+            <p:ph idx="1"/>
+          </p:nvPr>
+        </p:nvSpPr>
+        <p:spPr/>
+        <p:txBody>
+          <a:bodyPr/>
+          <a:lstStyle/>
+          <a:p>
+            <a:pPr marL="0" indent="0">
+              <a:buNone/>
+            </a:pPr>
+            <a:r>
+              <a:rPr lang="pl-PL" dirty="0" err="1"/>
+              <a:t>Long</a:t>
+            </a:r>
+            <a:r>
+              <a:rPr lang="pl-PL" dirty="0"/>
+              <a:t> </a:t>
+            </a:r>
+            <a:r>
+              <a:rPr lang="pl-PL" dirty="0" err="1"/>
+              <a:t>double</a:t>
+            </a:r>
+            <a:r>
+              <a:rPr lang="pl-PL" dirty="0"/>
+              <a:t> jest najdokładniejszym typem zmiennoprzecinkowym w języku c++, co widać po wynikach pomiarów, x^2 pod pierwiastkiem zanika dopiero w kroku 11, dodawanie dla tego typu jest działaniem w miarę dokładnym dla argumentów rzędu około 10^-20. Typ ten zajmuje 80 bitów. Dla funkcji g wyniki dokładne dla argumentów rzędu 8^-358, potem następuję wyzerowanie argumentu.</a:t>
+            </a:r>
+          </a:p>
+        </p:txBody>
+      </p:sp>
+    </p:spTree>
+    <p:extLst>
+      <p:ext uri="{BB962C8B-B14F-4D97-AF65-F5344CB8AC3E}">
+        <p14:creationId xmlns:p14="http://schemas.microsoft.com/office/powerpoint/2010/main" val="3989081469"/>
       </p:ext>
     </p:extLst>
   </p:cSld>

--- a/lab1/Laboratorium 1, zadanie 3.pptx
+++ b/lab1/Laboratorium 1, zadanie 3.pptx
@@ -3436,7 +3436,12 @@
             <p:ph type="title"/>
           </p:nvPr>
         </p:nvSpPr>
-        <p:spPr/>
+        <p:spPr>
+          <a:xfrm>
+            <a:off x="838200" y="281235"/>
+            <a:ext cx="10515600" cy="1325563"/>
+          </a:xfrm>
+        </p:spPr>
         <p:txBody>
           <a:bodyPr/>
           <a:lstStyle/>
@@ -3444,6 +3449,13 @@
             <a:r>
               <a:rPr lang="pl-PL" dirty="0"/>
               <a:t>Wyniki dla dużych argumentów</a:t>
+            </a:r>
+            <a:br>
+              <a:rPr lang="pl-PL" dirty="0"/>
+            </a:br>
+            <a:r>
+              <a:rPr lang="pl-PL" dirty="0"/>
+              <a:t>(najciekawsze)</a:t>
             </a:r>
           </a:p>
         </p:txBody>
@@ -3464,13 +3476,13 @@
             <p:ph idx="1"/>
             <p:extLst>
               <p:ext uri="{D42A27DB-BD31-4B8C-83A1-F6EECF244321}">
-                <p14:modId xmlns:p14="http://schemas.microsoft.com/office/powerpoint/2010/main" val="699241159"/>
+                <p14:modId xmlns:p14="http://schemas.microsoft.com/office/powerpoint/2010/main" val="169260783"/>
               </p:ext>
             </p:extLst>
           </p:nvPr>
         </p:nvGraphicFramePr>
         <p:xfrm>
-          <a:off x="838200" y="1389380"/>
+          <a:off x="838200" y="1774578"/>
           <a:ext cx="10515600" cy="4450080"/>
         </p:xfrm>
         <a:graphic>
@@ -4676,7 +4688,15 @@
             </a:pPr>
             <a:r>
               <a:rPr lang="pl-PL" dirty="0"/>
-              <a:t>Dla dużych argumentów nastąpi problem wyjścia z zakresu, nasz argument dla komputera będzie tożsamy z nieskończonością, przez co wartości funkcji f będą tożsame z nieskończonością. Natomiast wartości dla funkcji g będą utożsamiane jako Nan (nie numer), ponieważ mamy do czynienie z dzieleniem dwóch wartości które dla danej reprezentacji są już nieskończonością.</a:t>
+              <a:t>Dla dużych argumentów nastąpi problem wyjścia z zakresu, nasz argument dla komputera będzie tożsamy z nieskończonością, przez co wartości funkcji f będą tożsame z nieskończonością. Natomiast wartości dla funkcji g będą utożsamiane jako </a:t>
+            </a:r>
+            <a:r>
+              <a:rPr lang="pl-PL" dirty="0" err="1"/>
+              <a:t>nan</a:t>
+            </a:r>
+            <a:r>
+              <a:rPr lang="pl-PL" dirty="0"/>
+              <a:t> (nie liczba), ponieważ mamy do czynienie z dzieleniem dwóch wartości które dla danej reprezentacji są już nieskończonością.</a:t>
             </a:r>
             <a:endParaRPr lang="pl-PL" dirty="0">
               <a:solidFill>
@@ -5035,8 +5055,8 @@
           </a:p>
         </p:txBody>
       </p:sp>
-      <mc:AlternateContent xmlns:mc="http://schemas.openxmlformats.org/markup-compatibility/2006" xmlns:a14="http://schemas.microsoft.com/office/drawing/2010/main">
-        <mc:Choice Requires="a14">
+      <mc:AlternateContent xmlns:mc="http://schemas.openxmlformats.org/markup-compatibility/2006">
+        <mc:Choice xmlns:a14="http://schemas.microsoft.com/office/drawing/2010/main" Requires="a14">
           <p:graphicFrame>
             <p:nvGraphicFramePr>
               <p:cNvPr id="4" name="Tabela 4">
@@ -5053,14 +5073,14 @@
                 <p:ph idx="1"/>
                 <p:extLst>
                   <p:ext uri="{D42A27DB-BD31-4B8C-83A1-F6EECF244321}">
-                    <p14:modId xmlns:p14="http://schemas.microsoft.com/office/powerpoint/2010/main" val="3169851634"/>
+                    <p14:modId xmlns:p14="http://schemas.microsoft.com/office/powerpoint/2010/main" val="3109626031"/>
                   </p:ext>
                 </p:extLst>
               </p:nvPr>
             </p:nvGraphicFramePr>
             <p:xfrm>
               <a:off x="494950" y="642777"/>
-              <a:ext cx="11123800" cy="5933166"/>
+              <a:ext cx="11123800" cy="4820646"/>
             </p:xfrm>
             <a:graphic>
               <a:graphicData uri="http://schemas.openxmlformats.org/drawingml/2006/table">
@@ -6272,378 +6292,6 @@
                           </a:pPr>
                           <a:r>
                             <a:rPr lang="pl-PL" dirty="0"/>
-                            <a:t>20.</a:t>
-                          </a:r>
-                        </a:p>
-                      </a:txBody>
-                      <a:tcPr anchor="ctr"/>
-                    </a:tc>
-                    <a:tc>
-                      <a:txBody>
-                        <a:bodyPr/>
-                        <a:lstStyle/>
-                        <a:p>
-                          <a:pPr algn="ctr"/>
-                          <a14:m>
-                            <m:oMathPara xmlns:m="http://schemas.openxmlformats.org/officeDocument/2006/math">
-                              <m:oMathParaPr>
-                                <m:jc m:val="centerGroup"/>
-                              </m:oMathParaPr>
-                              <m:oMath xmlns:m="http://schemas.openxmlformats.org/officeDocument/2006/math">
-                                <m:sSup>
-                                  <m:sSupPr>
-                                    <m:ctrlPr>
-                                      <a:rPr lang="pl-PL" b="0" i="1" smtClean="0">
-                                        <a:latin typeface="Cambria Math" panose="02040503050406030204" pitchFamily="18" charset="0"/>
-                                      </a:rPr>
-                                    </m:ctrlPr>
-                                  </m:sSupPr>
-                                  <m:e>
-                                    <m:r>
-                                      <a:rPr lang="pl-PL" b="0" i="1" smtClean="0">
-                                        <a:latin typeface="Cambria Math" panose="02040503050406030204" pitchFamily="18" charset="0"/>
-                                      </a:rPr>
-                                      <m:t>8</m:t>
-                                    </m:r>
-                                  </m:e>
-                                  <m:sup>
-                                    <m:r>
-                                      <a:rPr lang="pl-PL" b="0" i="1" smtClean="0">
-                                        <a:latin typeface="Cambria Math" panose="02040503050406030204" pitchFamily="18" charset="0"/>
-                                      </a:rPr>
-                                      <m:t>−20</m:t>
-                                    </m:r>
-                                  </m:sup>
-                                </m:sSup>
-                              </m:oMath>
-                            </m:oMathPara>
-                          </a14:m>
-                          <a:endParaRPr lang="pl-PL" dirty="0"/>
-                        </a:p>
-                      </a:txBody>
-                      <a:tcPr anchor="ctr"/>
-                    </a:tc>
-                    <a:tc>
-                      <a:txBody>
-                        <a:bodyPr/>
-                        <a:lstStyle/>
-                        <a:p>
-                          <a:pPr algn="ctr"/>
-                          <a:r>
-                            <a:rPr lang="pl-PL" dirty="0"/>
-                            <a:t>0</a:t>
-                          </a:r>
-                        </a:p>
-                      </a:txBody>
-                      <a:tcPr anchor="ctr"/>
-                    </a:tc>
-                    <a:tc>
-                      <a:txBody>
-                        <a:bodyPr/>
-                        <a:lstStyle/>
-                        <a:p>
-                          <a:pPr algn="ctr"/>
-                          <a:r>
-                            <a:rPr lang="pl-PL" dirty="0"/>
-                            <a:t>3.76158e-37</a:t>
-                          </a:r>
-                        </a:p>
-                      </a:txBody>
-                      <a:tcPr anchor="ctr"/>
-                    </a:tc>
-                    <a:tc>
-                      <a:txBody>
-                        <a:bodyPr/>
-                        <a:lstStyle/>
-                        <a:p>
-                          <a:pPr algn="ctr"/>
-                          <a:r>
-                            <a:rPr lang="pl-PL" dirty="0"/>
-                            <a:t>3.76158e-37</a:t>
-                          </a:r>
-                        </a:p>
-                      </a:txBody>
-                      <a:tcPr anchor="ctr"/>
-                    </a:tc>
-                    <a:extLst>
-                      <a:ext uri="{0D108BD9-81ED-4DB2-BD59-A6C34878D82A}">
-                        <a16:rowId xmlns:a16="http://schemas.microsoft.com/office/drawing/2014/main" val="4291690851"/>
-                      </a:ext>
-                    </a:extLst>
-                  </a:tr>
-                  <a:tr h="370840">
-                    <a:tc>
-                      <a:txBody>
-                        <a:bodyPr/>
-                        <a:lstStyle/>
-                        <a:p>
-                          <a:pPr marL="0" marR="0" lvl="0" indent="0" algn="ctr" defTabSz="914400" rtl="0" eaLnBrk="1" fontAlgn="auto" latinLnBrk="0" hangingPunct="1">
-                            <a:lnSpc>
-                              <a:spcPct val="100000"/>
-                            </a:lnSpc>
-                            <a:spcBef>
-                              <a:spcPts val="0"/>
-                            </a:spcBef>
-                            <a:spcAft>
-                              <a:spcPts val="0"/>
-                            </a:spcAft>
-                            <a:buClrTx/>
-                            <a:buSzTx/>
-                            <a:buFontTx/>
-                            <a:buNone/>
-                            <a:tabLst/>
-                            <a:defRPr/>
-                          </a:pPr>
-                          <a:r>
-                            <a:rPr lang="pl-PL" dirty="0"/>
-                            <a:t>21.</a:t>
-                          </a:r>
-                        </a:p>
-                      </a:txBody>
-                      <a:tcPr anchor="ctr"/>
-                    </a:tc>
-                    <a:tc>
-                      <a:txBody>
-                        <a:bodyPr/>
-                        <a:lstStyle/>
-                        <a:p>
-                          <a:pPr algn="ctr"/>
-                          <a14:m>
-                            <m:oMathPara xmlns:m="http://schemas.openxmlformats.org/officeDocument/2006/math">
-                              <m:oMathParaPr>
-                                <m:jc m:val="centerGroup"/>
-                              </m:oMathParaPr>
-                              <m:oMath xmlns:m="http://schemas.openxmlformats.org/officeDocument/2006/math">
-                                <m:sSup>
-                                  <m:sSupPr>
-                                    <m:ctrlPr>
-                                      <a:rPr lang="pl-PL" b="0" i="1" smtClean="0">
-                                        <a:latin typeface="Cambria Math" panose="02040503050406030204" pitchFamily="18" charset="0"/>
-                                      </a:rPr>
-                                    </m:ctrlPr>
-                                  </m:sSupPr>
-                                  <m:e>
-                                    <m:r>
-                                      <a:rPr lang="pl-PL" b="0" i="1" smtClean="0">
-                                        <a:latin typeface="Cambria Math" panose="02040503050406030204" pitchFamily="18" charset="0"/>
-                                      </a:rPr>
-                                      <m:t>8</m:t>
-                                    </m:r>
-                                  </m:e>
-                                  <m:sup>
-                                    <m:r>
-                                      <a:rPr lang="pl-PL" b="0" i="1" smtClean="0">
-                                        <a:latin typeface="Cambria Math" panose="02040503050406030204" pitchFamily="18" charset="0"/>
-                                      </a:rPr>
-                                      <m:t>−21</m:t>
-                                    </m:r>
-                                  </m:sup>
-                                </m:sSup>
-                              </m:oMath>
-                            </m:oMathPara>
-                          </a14:m>
-                          <a:endParaRPr lang="pl-PL" dirty="0"/>
-                        </a:p>
-                      </a:txBody>
-                      <a:tcPr anchor="ctr"/>
-                    </a:tc>
-                    <a:tc>
-                      <a:txBody>
-                        <a:bodyPr/>
-                        <a:lstStyle/>
-                        <a:p>
-                          <a:pPr algn="ctr"/>
-                          <a:r>
-                            <a:rPr lang="pl-PL" dirty="0"/>
-                            <a:t>0</a:t>
-                          </a:r>
-                        </a:p>
-                      </a:txBody>
-                      <a:tcPr anchor="ctr"/>
-                    </a:tc>
-                    <a:tc>
-                      <a:txBody>
-                        <a:bodyPr/>
-                        <a:lstStyle/>
-                        <a:p>
-                          <a:pPr algn="ctr"/>
-                          <a:r>
-                            <a:rPr lang="pl-PL" dirty="0"/>
-                            <a:t>5.87747e-39</a:t>
-                          </a:r>
-                        </a:p>
-                      </a:txBody>
-                      <a:tcPr anchor="ctr"/>
-                    </a:tc>
-                    <a:tc>
-                      <a:txBody>
-                        <a:bodyPr/>
-                        <a:lstStyle/>
-                        <a:p>
-                          <a:pPr algn="ctr"/>
-                          <a:r>
-                            <a:rPr lang="pl-PL" dirty="0"/>
-                            <a:t>5.87747e-39</a:t>
-                          </a:r>
-                        </a:p>
-                      </a:txBody>
-                      <a:tcPr anchor="ctr"/>
-                    </a:tc>
-                    <a:extLst>
-                      <a:ext uri="{0D108BD9-81ED-4DB2-BD59-A6C34878D82A}">
-                        <a16:rowId xmlns:a16="http://schemas.microsoft.com/office/drawing/2014/main" val="3131552412"/>
-                      </a:ext>
-                    </a:extLst>
-                  </a:tr>
-                  <a:tr h="370840">
-                    <a:tc>
-                      <a:txBody>
-                        <a:bodyPr/>
-                        <a:lstStyle/>
-                        <a:p>
-                          <a:pPr marL="0" marR="0" lvl="0" indent="0" algn="ctr" defTabSz="914400" rtl="0" eaLnBrk="1" fontAlgn="auto" latinLnBrk="0" hangingPunct="1">
-                            <a:lnSpc>
-                              <a:spcPct val="100000"/>
-                            </a:lnSpc>
-                            <a:spcBef>
-                              <a:spcPts val="0"/>
-                            </a:spcBef>
-                            <a:spcAft>
-                              <a:spcPts val="0"/>
-                            </a:spcAft>
-                            <a:buClrTx/>
-                            <a:buSzTx/>
-                            <a:buFontTx/>
-                            <a:buNone/>
-                            <a:tabLst/>
-                            <a:defRPr/>
-                          </a:pPr>
-                          <a:r>
-                            <a:rPr lang="pl-PL" dirty="0"/>
-                            <a:t>22.</a:t>
-                          </a:r>
-                        </a:p>
-                      </a:txBody>
-                      <a:tcPr anchor="ctr"/>
-                    </a:tc>
-                    <a:tc>
-                      <a:txBody>
-                        <a:bodyPr/>
-                        <a:lstStyle/>
-                        <a:p>
-                          <a:pPr algn="ctr"/>
-                          <a14:m>
-                            <m:oMathPara xmlns:m="http://schemas.openxmlformats.org/officeDocument/2006/math">
-                              <m:oMathParaPr>
-                                <m:jc m:val="centerGroup"/>
-                              </m:oMathParaPr>
-                              <m:oMath xmlns:m="http://schemas.openxmlformats.org/officeDocument/2006/math">
-                                <m:sSup>
-                                  <m:sSupPr>
-                                    <m:ctrlPr>
-                                      <a:rPr lang="pl-PL" b="0" i="1" smtClean="0">
-                                        <a:latin typeface="Cambria Math" panose="02040503050406030204" pitchFamily="18" charset="0"/>
-                                      </a:rPr>
-                                    </m:ctrlPr>
-                                  </m:sSupPr>
-                                  <m:e>
-                                    <m:r>
-                                      <a:rPr lang="pl-PL" b="0" i="1" smtClean="0">
-                                        <a:latin typeface="Cambria Math" panose="02040503050406030204" pitchFamily="18" charset="0"/>
-                                      </a:rPr>
-                                      <m:t>8</m:t>
-                                    </m:r>
-                                  </m:e>
-                                  <m:sup>
-                                    <m:r>
-                                      <a:rPr lang="pl-PL" b="0" i="1" smtClean="0">
-                                        <a:latin typeface="Cambria Math" panose="02040503050406030204" pitchFamily="18" charset="0"/>
-                                      </a:rPr>
-                                      <m:t>−22</m:t>
-                                    </m:r>
-                                  </m:sup>
-                                </m:sSup>
-                              </m:oMath>
-                            </m:oMathPara>
-                          </a14:m>
-                          <a:endParaRPr lang="pl-PL" dirty="0"/>
-                        </a:p>
-                      </a:txBody>
-                      <a:tcPr anchor="ctr"/>
-                    </a:tc>
-                    <a:tc>
-                      <a:txBody>
-                        <a:bodyPr/>
-                        <a:lstStyle/>
-                        <a:p>
-                          <a:pPr algn="ctr"/>
-                          <a:r>
-                            <a:rPr lang="pl-PL" dirty="0"/>
-                            <a:t>0</a:t>
-                          </a:r>
-                        </a:p>
-                      </a:txBody>
-                      <a:tcPr anchor="ctr"/>
-                    </a:tc>
-                    <a:tc>
-                      <a:txBody>
-                        <a:bodyPr/>
-                        <a:lstStyle/>
-                        <a:p>
-                          <a:pPr algn="ctr"/>
-                          <a:r>
-                            <a:rPr lang="pl-PL" dirty="0"/>
-                            <a:t>9.18355e-41</a:t>
-                          </a:r>
-                        </a:p>
-                      </a:txBody>
-                      <a:tcPr anchor="ctr"/>
-                    </a:tc>
-                    <a:tc>
-                      <a:txBody>
-                        <a:bodyPr/>
-                        <a:lstStyle/>
-                        <a:p>
-                          <a:pPr algn="ctr"/>
-                          <a:r>
-                            <a:rPr lang="pl-PL" dirty="0"/>
-                            <a:t>9.18355e-41</a:t>
-                          </a:r>
-                        </a:p>
-                      </a:txBody>
-                      <a:tcPr anchor="ctr"/>
-                    </a:tc>
-                    <a:extLst>
-                      <a:ext uri="{0D108BD9-81ED-4DB2-BD59-A6C34878D82A}">
-                        <a16:rowId xmlns:a16="http://schemas.microsoft.com/office/drawing/2014/main" val="4261764248"/>
-                      </a:ext>
-                    </a:extLst>
-                  </a:tr>
-                  <a:tr h="370840">
-                    <a:tc>
-                      <a:txBody>
-                        <a:bodyPr/>
-                        <a:lstStyle/>
-                        <a:p>
-                          <a:pPr marL="0" marR="0" lvl="0" indent="0" algn="ctr" defTabSz="914400" rtl="0" eaLnBrk="1" fontAlgn="auto" latinLnBrk="0" hangingPunct="1">
-                            <a:lnSpc>
-                              <a:spcPct val="100000"/>
-                            </a:lnSpc>
-                            <a:spcBef>
-                              <a:spcPts val="0"/>
-                            </a:spcBef>
-                            <a:spcAft>
-                              <a:spcPts val="0"/>
-                            </a:spcAft>
-                            <a:buClrTx/>
-                            <a:buSzTx/>
-                            <a:buFontTx/>
-                            <a:buNone/>
-                            <a:tabLst/>
-                            <a:defRPr/>
-                          </a:pPr>
-                          <a:r>
-                            <a:rPr lang="pl-PL" dirty="0"/>
                             <a:t>23.</a:t>
                           </a:r>
                         </a:p>
@@ -7028,7 +6676,7 @@
             </a:graphic>
           </p:graphicFrame>
         </mc:Choice>
-        <mc:Fallback xmlns="">
+        <mc:Fallback>
           <p:graphicFrame>
             <p:nvGraphicFramePr>
               <p:cNvPr id="4" name="Tabela 4">
@@ -7045,14 +6693,14 @@
                 <p:ph idx="1"/>
                 <p:extLst>
                   <p:ext uri="{D42A27DB-BD31-4B8C-83A1-F6EECF244321}">
-                    <p14:modId xmlns:p14="http://schemas.microsoft.com/office/powerpoint/2010/main" val="3169851634"/>
+                    <p14:modId xmlns:p14="http://schemas.microsoft.com/office/powerpoint/2010/main" val="3109626031"/>
                   </p:ext>
                 </p:extLst>
               </p:nvPr>
             </p:nvGraphicFramePr>
             <p:xfrm>
               <a:off x="494950" y="642777"/>
-              <a:ext cx="11123800" cy="5933166"/>
+              <a:ext cx="11123800" cy="4820646"/>
             </p:xfrm>
             <a:graphic>
               <a:graphicData uri="http://schemas.openxmlformats.org/drawingml/2006/table">
@@ -7201,7 +6849,7 @@
                         <a:blipFill>
                           <a:blip r:embed="rId2"/>
                           <a:stretch>
-                            <a:fillRect l="-100274" t="-108197" r="-301370" b="-1421311"/>
+                            <a:fillRect l="-100274" t="-108197" r="-301370" b="-1122951"/>
                           </a:stretch>
                         </a:blipFill>
                       </a:tcPr>
@@ -7281,7 +6929,7 @@
                         <a:blipFill>
                           <a:blip r:embed="rId2"/>
                           <a:stretch>
-                            <a:fillRect l="-100274" t="-208197" r="-301370" b="-1321311"/>
+                            <a:fillRect l="-100274" t="-208197" r="-301370" b="-1022951"/>
                           </a:stretch>
                         </a:blipFill>
                       </a:tcPr>
@@ -7377,7 +7025,7 @@
                         <a:blipFill>
                           <a:blip r:embed="rId2"/>
                           <a:stretch>
-                            <a:fillRect l="-100274" t="-313333" r="-301370" b="-1243333"/>
+                            <a:fillRect l="-100274" t="-308197" r="-301370" b="-922951"/>
                           </a:stretch>
                         </a:blipFill>
                       </a:tcPr>
@@ -7473,7 +7121,7 @@
                         <a:blipFill>
                           <a:blip r:embed="rId2"/>
                           <a:stretch>
-                            <a:fillRect l="-100274" t="-406557" r="-301370" b="-1122951"/>
+                            <a:fillRect l="-100274" t="-408197" r="-301370" b="-822951"/>
                           </a:stretch>
                         </a:blipFill>
                       </a:tcPr>
@@ -7569,7 +7217,7 @@
                         <a:blipFill>
                           <a:blip r:embed="rId2"/>
                           <a:stretch>
-                            <a:fillRect l="-100274" t="-506557" r="-301370" b="-1022951"/>
+                            <a:fillRect l="-100274" t="-508197" r="-301370" b="-722951"/>
                           </a:stretch>
                         </a:blipFill>
                       </a:tcPr>
@@ -7665,7 +7313,7 @@
                         <a:blipFill>
                           <a:blip r:embed="rId2"/>
                           <a:stretch>
-                            <a:fillRect l="-100274" t="-606557" r="-301370" b="-922951"/>
+                            <a:fillRect l="-100274" t="-618333" r="-301370" b="-635000"/>
                           </a:stretch>
                         </a:blipFill>
                       </a:tcPr>
@@ -7761,7 +7409,7 @@
                         <a:blipFill>
                           <a:blip r:embed="rId2"/>
                           <a:stretch>
-                            <a:fillRect l="-100274" t="-706557" r="-301370" b="-822951"/>
+                            <a:fillRect l="-100274" t="-706557" r="-301370" b="-524590"/>
                           </a:stretch>
                         </a:blipFill>
                       </a:tcPr>
@@ -7857,7 +7505,7 @@
                         <a:blipFill>
                           <a:blip r:embed="rId2"/>
                           <a:stretch>
-                            <a:fillRect l="-100274" t="-806557" r="-301370" b="-722951"/>
+                            <a:fillRect l="-100274" t="-806557" r="-301370" b="-424590"/>
                           </a:stretch>
                         </a:blipFill>
                       </a:tcPr>
@@ -7953,7 +7601,7 @@
                         <a:blipFill>
                           <a:blip r:embed="rId2"/>
                           <a:stretch>
-                            <a:fillRect l="-100274" t="-906557" r="-301370" b="-622951"/>
+                            <a:fillRect l="-100274" t="-906557" r="-301370" b="-324590"/>
                           </a:stretch>
                         </a:blipFill>
                       </a:tcPr>
@@ -8031,7 +7679,7 @@
                           </a:pPr>
                           <a:r>
                             <a:rPr lang="pl-PL" dirty="0"/>
-                            <a:t>20.</a:t>
+                            <a:t>23.</a:t>
                           </a:r>
                         </a:p>
                       </a:txBody>
@@ -8049,7 +7697,7 @@
                         <a:blipFill>
                           <a:blip r:embed="rId2"/>
                           <a:stretch>
-                            <a:fillRect l="-100274" t="-1006557" r="-301370" b="-522951"/>
+                            <a:fillRect l="-100274" t="-1006557" r="-301370" b="-224590"/>
                           </a:stretch>
                         </a:blipFill>
                       </a:tcPr>
@@ -8076,33 +7724,12 @@
                           <a:pPr algn="ctr"/>
                           <a:r>
                             <a:rPr lang="pl-PL" dirty="0"/>
-                            <a:t>3.76158e-37</a:t>
-                          </a:r>
-                        </a:p>
-                      </a:txBody>
-                      <a:tcPr anchor="ctr"/>
-                    </a:tc>
-                    <a:tc>
-                      <a:txBody>
-                        <a:bodyPr/>
-                        <a:lstStyle/>
-                        <a:p>
-                          <a:pPr algn="ctr"/>
-                          <a:r>
-                            <a:rPr lang="pl-PL" dirty="0"/>
-                            <a:t>3.76158e-37</a:t>
-                          </a:r>
-                        </a:p>
-                      </a:txBody>
-                      <a:tcPr anchor="ctr"/>
-                    </a:tc>
-                    <a:extLst>
-                      <a:ext uri="{0D108BD9-81ED-4DB2-BD59-A6C34878D82A}">
-                        <a16:rowId xmlns:a16="http://schemas.microsoft.com/office/drawing/2014/main" val="4291690851"/>
-                      </a:ext>
-                    </a:extLst>
-                  </a:tr>
-                  <a:tr h="370840">
+                            <a:t>1.43493e-42</a:t>
+                          </a:r>
+                        </a:p>
+                      </a:txBody>
+                      <a:tcPr anchor="ctr"/>
+                    </a:tc>
                     <a:tc>
                       <a:txBody>
                         <a:bodyPr/>
@@ -8127,66 +7754,7 @@
                           </a:pPr>
                           <a:r>
                             <a:rPr lang="pl-PL" dirty="0"/>
-                            <a:t>21.</a:t>
-                          </a:r>
-                        </a:p>
-                      </a:txBody>
-                      <a:tcPr anchor="ctr"/>
-                    </a:tc>
-                    <a:tc>
-                      <a:txBody>
-                        <a:bodyPr/>
-                        <a:lstStyle/>
-                        <a:p>
-                          <a:endParaRPr lang="pl-PL"/>
-                        </a:p>
-                      </a:txBody>
-                      <a:tcPr anchor="ctr">
-                        <a:blipFill>
-                          <a:blip r:embed="rId2"/>
-                          <a:stretch>
-                            <a:fillRect l="-100274" t="-1125000" r="-301370" b="-431667"/>
-                          </a:stretch>
-                        </a:blipFill>
-                      </a:tcPr>
-                    </a:tc>
-                    <a:tc>
-                      <a:txBody>
-                        <a:bodyPr/>
-                        <a:lstStyle/>
-                        <a:p>
-                          <a:pPr algn="ctr"/>
-                          <a:r>
-                            <a:rPr lang="pl-PL" dirty="0"/>
-                            <a:t>0</a:t>
-                          </a:r>
-                        </a:p>
-                      </a:txBody>
-                      <a:tcPr anchor="ctr"/>
-                    </a:tc>
-                    <a:tc>
-                      <a:txBody>
-                        <a:bodyPr/>
-                        <a:lstStyle/>
-                        <a:p>
-                          <a:pPr algn="ctr"/>
-                          <a:r>
-                            <a:rPr lang="pl-PL" dirty="0"/>
-                            <a:t>5.87747e-39</a:t>
-                          </a:r>
-                        </a:p>
-                      </a:txBody>
-                      <a:tcPr anchor="ctr"/>
-                    </a:tc>
-                    <a:tc>
-                      <a:txBody>
-                        <a:bodyPr/>
-                        <a:lstStyle/>
-                        <a:p>
-                          <a:pPr algn="ctr"/>
-                          <a:r>
-                            <a:rPr lang="pl-PL" dirty="0"/>
-                            <a:t>5.87747e-39</a:t>
+                            <a:t> 1.43493e-42</a:t>
                           </a:r>
                         </a:p>
                       </a:txBody>
@@ -8194,7 +7762,7 @@
                     </a:tc>
                     <a:extLst>
                       <a:ext uri="{0D108BD9-81ED-4DB2-BD59-A6C34878D82A}">
-                        <a16:rowId xmlns:a16="http://schemas.microsoft.com/office/drawing/2014/main" val="3131552412"/>
+                        <a16:rowId xmlns:a16="http://schemas.microsoft.com/office/drawing/2014/main" val="3906286931"/>
                       </a:ext>
                     </a:extLst>
                   </a:tr>
@@ -8223,7 +7791,7 @@
                           </a:pPr>
                           <a:r>
                             <a:rPr lang="pl-PL" dirty="0"/>
-                            <a:t>22.</a:t>
+                            <a:t>24.</a:t>
                           </a:r>
                         </a:p>
                       </a:txBody>
@@ -8241,7 +7809,7 @@
                         <a:blipFill>
                           <a:blip r:embed="rId2"/>
                           <a:stretch>
-                            <a:fillRect l="-100274" t="-1204918" r="-301370" b="-324590"/>
+                            <a:fillRect l="-100274" t="-1106557" r="-301370" b="-124590"/>
                           </a:stretch>
                         </a:blipFill>
                       </a:tcPr>
@@ -8268,33 +7836,12 @@
                           <a:pPr algn="ctr"/>
                           <a:r>
                             <a:rPr lang="pl-PL" dirty="0"/>
-                            <a:t>9.18355e-41</a:t>
-                          </a:r>
-                        </a:p>
-                      </a:txBody>
-                      <a:tcPr anchor="ctr"/>
-                    </a:tc>
-                    <a:tc>
-                      <a:txBody>
-                        <a:bodyPr/>
-                        <a:lstStyle/>
-                        <a:p>
-                          <a:pPr algn="ctr"/>
-                          <a:r>
-                            <a:rPr lang="pl-PL" dirty="0"/>
-                            <a:t>9.18355e-41</a:t>
-                          </a:r>
-                        </a:p>
-                      </a:txBody>
-                      <a:tcPr anchor="ctr"/>
-                    </a:tc>
-                    <a:extLst>
-                      <a:ext uri="{0D108BD9-81ED-4DB2-BD59-A6C34878D82A}">
-                        <a16:rowId xmlns:a16="http://schemas.microsoft.com/office/drawing/2014/main" val="4261764248"/>
-                      </a:ext>
-                    </a:extLst>
-                  </a:tr>
-                  <a:tr h="370840">
+                            <a:t>2.24208e-44</a:t>
+                          </a:r>
+                        </a:p>
+                      </a:txBody>
+                      <a:tcPr anchor="ctr"/>
+                    </a:tc>
                     <a:tc>
                       <a:txBody>
                         <a:bodyPr/>
@@ -8319,57 +7866,19 @@
                           </a:pPr>
                           <a:r>
                             <a:rPr lang="pl-PL" dirty="0"/>
-                            <a:t>23.</a:t>
-                          </a:r>
-                        </a:p>
-                      </a:txBody>
-                      <a:tcPr anchor="ctr"/>
-                    </a:tc>
-                    <a:tc>
-                      <a:txBody>
-                        <a:bodyPr/>
-                        <a:lstStyle/>
-                        <a:p>
-                          <a:endParaRPr lang="pl-PL"/>
-                        </a:p>
-                      </a:txBody>
-                      <a:tcPr anchor="ctr">
-                        <a:blipFill>
-                          <a:blip r:embed="rId2"/>
-                          <a:stretch>
-                            <a:fillRect l="-100274" t="-1304918" r="-301370" b="-224590"/>
-                          </a:stretch>
-                        </a:blipFill>
-                      </a:tcPr>
-                    </a:tc>
-                    <a:tc>
-                      <a:txBody>
-                        <a:bodyPr/>
-                        <a:lstStyle/>
-                        <a:p>
-                          <a:pPr algn="ctr"/>
-                          <a:r>
-                            <a:rPr lang="pl-PL" dirty="0"/>
-                            <a:t>0</a:t>
-                          </a:r>
-                        </a:p>
-                      </a:txBody>
-                      <a:tcPr anchor="ctr"/>
-                    </a:tc>
-                    <a:tc>
-                      <a:txBody>
-                        <a:bodyPr/>
-                        <a:lstStyle/>
-                        <a:p>
-                          <a:pPr algn="ctr"/>
-                          <a:r>
-                            <a:rPr lang="pl-PL" dirty="0"/>
-                            <a:t>1.43493e-42</a:t>
-                          </a:r>
-                        </a:p>
-                      </a:txBody>
-                      <a:tcPr anchor="ctr"/>
-                    </a:tc>
+                            <a:t>2.24208e-44</a:t>
+                          </a:r>
+                        </a:p>
+                      </a:txBody>
+                      <a:tcPr anchor="ctr"/>
+                    </a:tc>
+                    <a:extLst>
+                      <a:ext uri="{0D108BD9-81ED-4DB2-BD59-A6C34878D82A}">
+                        <a16:rowId xmlns:a16="http://schemas.microsoft.com/office/drawing/2014/main" val="3264901162"/>
+                      </a:ext>
+                    </a:extLst>
+                  </a:tr>
+                  <a:tr h="370840">
                     <a:tc>
                       <a:txBody>
                         <a:bodyPr/>
@@ -8394,44 +7903,7 @@
                           </a:pPr>
                           <a:r>
                             <a:rPr lang="pl-PL" dirty="0"/>
-                            <a:t> 1.43493e-42</a:t>
-                          </a:r>
-                        </a:p>
-                      </a:txBody>
-                      <a:tcPr anchor="ctr"/>
-                    </a:tc>
-                    <a:extLst>
-                      <a:ext uri="{0D108BD9-81ED-4DB2-BD59-A6C34878D82A}">
-                        <a16:rowId xmlns:a16="http://schemas.microsoft.com/office/drawing/2014/main" val="3906286931"/>
-                      </a:ext>
-                    </a:extLst>
-                  </a:tr>
-                  <a:tr h="370840">
-                    <a:tc>
-                      <a:txBody>
-                        <a:bodyPr/>
-                        <a:lstStyle/>
-                        <a:p>
-                          <a:pPr marL="0" marR="0" lvl="0" indent="0" algn="ctr" defTabSz="914400" rtl="0" eaLnBrk="1" fontAlgn="auto" latinLnBrk="0" hangingPunct="1">
-                            <a:lnSpc>
-                              <a:spcPct val="100000"/>
-                            </a:lnSpc>
-                            <a:spcBef>
-                              <a:spcPts val="0"/>
-                            </a:spcBef>
-                            <a:spcAft>
-                              <a:spcPts val="0"/>
-                            </a:spcAft>
-                            <a:buClrTx/>
-                            <a:buSzTx/>
-                            <a:buFontTx/>
-                            <a:buNone/>
-                            <a:tabLst/>
-                            <a:defRPr/>
-                          </a:pPr>
-                          <a:r>
-                            <a:rPr lang="pl-PL" dirty="0"/>
-                            <a:t>24.</a:t>
+                            <a:t>25.</a:t>
                           </a:r>
                         </a:p>
                       </a:txBody>
@@ -8449,119 +7921,7 @@
                         <a:blipFill>
                           <a:blip r:embed="rId2"/>
                           <a:stretch>
-                            <a:fillRect l="-100274" t="-1404918" r="-301370" b="-124590"/>
-                          </a:stretch>
-                        </a:blipFill>
-                      </a:tcPr>
-                    </a:tc>
-                    <a:tc>
-                      <a:txBody>
-                        <a:bodyPr/>
-                        <a:lstStyle/>
-                        <a:p>
-                          <a:pPr algn="ctr"/>
-                          <a:r>
-                            <a:rPr lang="pl-PL" dirty="0"/>
-                            <a:t>0</a:t>
-                          </a:r>
-                        </a:p>
-                      </a:txBody>
-                      <a:tcPr anchor="ctr"/>
-                    </a:tc>
-                    <a:tc>
-                      <a:txBody>
-                        <a:bodyPr/>
-                        <a:lstStyle/>
-                        <a:p>
-                          <a:pPr algn="ctr"/>
-                          <a:r>
-                            <a:rPr lang="pl-PL" dirty="0"/>
-                            <a:t>2.24208e-44</a:t>
-                          </a:r>
-                        </a:p>
-                      </a:txBody>
-                      <a:tcPr anchor="ctr"/>
-                    </a:tc>
-                    <a:tc>
-                      <a:txBody>
-                        <a:bodyPr/>
-                        <a:lstStyle/>
-                        <a:p>
-                          <a:pPr marL="0" marR="0" lvl="0" indent="0" algn="ctr" defTabSz="914400" rtl="0" eaLnBrk="1" fontAlgn="auto" latinLnBrk="0" hangingPunct="1">
-                            <a:lnSpc>
-                              <a:spcPct val="100000"/>
-                            </a:lnSpc>
-                            <a:spcBef>
-                              <a:spcPts val="0"/>
-                            </a:spcBef>
-                            <a:spcAft>
-                              <a:spcPts val="0"/>
-                            </a:spcAft>
-                            <a:buClrTx/>
-                            <a:buSzTx/>
-                            <a:buFontTx/>
-                            <a:buNone/>
-                            <a:tabLst/>
-                            <a:defRPr/>
-                          </a:pPr>
-                          <a:r>
-                            <a:rPr lang="pl-PL" dirty="0"/>
-                            <a:t>2.24208e-44</a:t>
-                          </a:r>
-                        </a:p>
-                      </a:txBody>
-                      <a:tcPr anchor="ctr"/>
-                    </a:tc>
-                    <a:extLst>
-                      <a:ext uri="{0D108BD9-81ED-4DB2-BD59-A6C34878D82A}">
-                        <a16:rowId xmlns:a16="http://schemas.microsoft.com/office/drawing/2014/main" val="3264901162"/>
-                      </a:ext>
-                    </a:extLst>
-                  </a:tr>
-                  <a:tr h="370840">
-                    <a:tc>
-                      <a:txBody>
-                        <a:bodyPr/>
-                        <a:lstStyle/>
-                        <a:p>
-                          <a:pPr marL="0" marR="0" lvl="0" indent="0" algn="ctr" defTabSz="914400" rtl="0" eaLnBrk="1" fontAlgn="auto" latinLnBrk="0" hangingPunct="1">
-                            <a:lnSpc>
-                              <a:spcPct val="100000"/>
-                            </a:lnSpc>
-                            <a:spcBef>
-                              <a:spcPts val="0"/>
-                            </a:spcBef>
-                            <a:spcAft>
-                              <a:spcPts val="0"/>
-                            </a:spcAft>
-                            <a:buClrTx/>
-                            <a:buSzTx/>
-                            <a:buFontTx/>
-                            <a:buNone/>
-                            <a:tabLst/>
-                            <a:defRPr/>
-                          </a:pPr>
-                          <a:r>
-                            <a:rPr lang="pl-PL" dirty="0"/>
-                            <a:t>25.</a:t>
-                          </a:r>
-                        </a:p>
-                      </a:txBody>
-                      <a:tcPr anchor="ctr"/>
-                    </a:tc>
-                    <a:tc>
-                      <a:txBody>
-                        <a:bodyPr/>
-                        <a:lstStyle/>
-                        <a:p>
-                          <a:endParaRPr lang="pl-PL"/>
-                        </a:p>
-                      </a:txBody>
-                      <a:tcPr anchor="ctr">
-                        <a:blipFill>
-                          <a:blip r:embed="rId2"/>
-                          <a:stretch>
-                            <a:fillRect l="-100274" t="-1504918" r="-301370" b="-24590"/>
+                            <a:fillRect l="-100274" t="-1206557" r="-301370" b="-24590"/>
                           </a:stretch>
                         </a:blipFill>
                       </a:tcPr>
@@ -8816,7 +8176,7 @@
             </a:pPr>
             <a:r>
               <a:rPr lang="pl-PL" dirty="0"/>
-              <a:t>Ten sam problem jest z funkcją g, natomiast nie jest on tak bardzo widoczny dla początkowych argumentów. Wpływa on tak naprawdę tylko na dzielnik, gdzie znowu pod pierwiastkiem w dodawaniu argument zanika, z czego powstaje 1. Można powiedzieć że nasza funkcja g tymczasowo pędzie postaci g(x) = x^2/2. Dla odpowiednio małych argumentów, potęgowanie również doprowadza do wyzerowania argumentu.</a:t>
+              <a:t>Ten sam problem jest z funkcją g, natomiast nie jest on tak bardzo widoczny dla początkowych argumentów. Wpływa on tak naprawdę tylko na dzielnik, gdzie znowu pod pierwiastkiem w dodawaniu argument zanika, z czego powstaje 1. Można powiedzieć że nasza funkcja g tymczasowo będzie postaci g(x) = x^2/2. Dla odpowiednio małych argumentów, potęgowanie również doprowadza do wyzerowania argumentu.</a:t>
             </a:r>
           </a:p>
         </p:txBody>
@@ -12581,15 +11941,7 @@
             </a:r>
             <a:r>
               <a:rPr lang="pl-PL" dirty="0"/>
-              <a:t>, możemy to stwierdzić po różnicach w wartościach naszych funkcji, oraz po tym że zanik argumentu w sumowaniu pod pierwiastkiem następuje dopiero w 9 kroku, czyli dla argumentu 8^(-9). Typ ten zajmuje 64 bity, ma dokładność do 16 cyfr znaczących. Dla funkcji g w miarę dokładne wyniki obserwujemy do kroku 178, potem następuje wyzerowanie argumentu w dzielnej, ponieważ wpadamy w dziurę pomiędzy 0 a pierwszą dobrze reprezentowaną liczbą w zakresie tzw. </a:t>
-            </a:r>
-            <a:r>
-              <a:rPr lang="pl-PL" dirty="0" err="1"/>
-              <a:t>underflow</a:t>
-            </a:r>
-            <a:r>
-              <a:rPr lang="pl-PL" dirty="0"/>
-              <a:t>.</a:t>
+              <a:t>, możemy to stwierdzić po różnicach w wartościach naszych funkcji, oraz po tym że zanik argumentu w sumowaniu pod pierwiastkiem następuje dopiero w 9 kroku, czyli dla argumentu 8^(-9). Typ ten zajmuje 64 bity, ma dokładność do 16 cyfr znaczących. Dla funkcji g wyniki róże od 0 obserwujemy do kroku 178, potem następuje wyzerowanie argumentu w dzielnej, ponieważ wpadamy w dziurę pomiędzy 0 a pierwszą dobrze reprezentowaną liczbą w zakresie, następuje zaokrąglenie z niedomiarem.</a:t>
             </a:r>
           </a:p>
         </p:txBody>
@@ -16366,7 +15718,7 @@
             </a:r>
             <a:r>
               <a:rPr lang="pl-PL" dirty="0"/>
-              <a:t> jest najdokładniejszym typem zmiennoprzecinkowym w języku c++, co widać po wynikach pomiarów, x^2 pod pierwiastkiem zanika dopiero w kroku 11, dodawanie dla tego typu jest działaniem w miarę dokładnym dla argumentów rzędu około 10^-20. Typ ten zajmuje 80 bitów. Dla funkcji g wyniki dokładne dla argumentów rzędu 8^-358, potem następuję wyzerowanie argumentu.</a:t>
+              <a:t> jest najdokładniejszym typem zmiennoprzecinkowym w języku c++, co widać po wynikach pomiarów, x^2 pod pierwiastkiem zanika dopiero w kroku 11, dodawanie dla tego typu jest działaniem w miarę dokładnym dla argumentów rzędu około 10^-20. Typ ten zajmuje 80 bitów. Dla funkcji g wyniki nie zerowe dla argumentów rzędu 8^-358.</a:t>
             </a:r>
           </a:p>
         </p:txBody>

--- a/lab1/Laboratorium 1, zadanie 3.pptx
+++ b/lab1/Laboratorium 1, zadanie 3.pptx
@@ -270,7 +270,7 @@
           <a:p>
             <a:fld id="{BDE6E42A-1998-4C9D-8E3F-A3707EA1570C}" type="datetimeFigureOut">
               <a:rPr lang="pl-PL" smtClean="0"/>
-              <a:t>10.03.2023</a:t>
+              <a:t>11.03.2023</a:t>
             </a:fld>
             <a:endParaRPr lang="pl-PL"/>
           </a:p>
@@ -468,7 +468,7 @@
           <a:p>
             <a:fld id="{BDE6E42A-1998-4C9D-8E3F-A3707EA1570C}" type="datetimeFigureOut">
               <a:rPr lang="pl-PL" smtClean="0"/>
-              <a:t>10.03.2023</a:t>
+              <a:t>11.03.2023</a:t>
             </a:fld>
             <a:endParaRPr lang="pl-PL"/>
           </a:p>
@@ -676,7 +676,7 @@
           <a:p>
             <a:fld id="{BDE6E42A-1998-4C9D-8E3F-A3707EA1570C}" type="datetimeFigureOut">
               <a:rPr lang="pl-PL" smtClean="0"/>
-              <a:t>10.03.2023</a:t>
+              <a:t>11.03.2023</a:t>
             </a:fld>
             <a:endParaRPr lang="pl-PL"/>
           </a:p>
@@ -874,7 +874,7 @@
           <a:p>
             <a:fld id="{BDE6E42A-1998-4C9D-8E3F-A3707EA1570C}" type="datetimeFigureOut">
               <a:rPr lang="pl-PL" smtClean="0"/>
-              <a:t>10.03.2023</a:t>
+              <a:t>11.03.2023</a:t>
             </a:fld>
             <a:endParaRPr lang="pl-PL"/>
           </a:p>
@@ -1149,7 +1149,7 @@
           <a:p>
             <a:fld id="{BDE6E42A-1998-4C9D-8E3F-A3707EA1570C}" type="datetimeFigureOut">
               <a:rPr lang="pl-PL" smtClean="0"/>
-              <a:t>10.03.2023</a:t>
+              <a:t>11.03.2023</a:t>
             </a:fld>
             <a:endParaRPr lang="pl-PL"/>
           </a:p>
@@ -1414,7 +1414,7 @@
           <a:p>
             <a:fld id="{BDE6E42A-1998-4C9D-8E3F-A3707EA1570C}" type="datetimeFigureOut">
               <a:rPr lang="pl-PL" smtClean="0"/>
-              <a:t>10.03.2023</a:t>
+              <a:t>11.03.2023</a:t>
             </a:fld>
             <a:endParaRPr lang="pl-PL"/>
           </a:p>
@@ -1826,7 +1826,7 @@
           <a:p>
             <a:fld id="{BDE6E42A-1998-4C9D-8E3F-A3707EA1570C}" type="datetimeFigureOut">
               <a:rPr lang="pl-PL" smtClean="0"/>
-              <a:t>10.03.2023</a:t>
+              <a:t>11.03.2023</a:t>
             </a:fld>
             <a:endParaRPr lang="pl-PL"/>
           </a:p>
@@ -1967,7 +1967,7 @@
           <a:p>
             <a:fld id="{BDE6E42A-1998-4C9D-8E3F-A3707EA1570C}" type="datetimeFigureOut">
               <a:rPr lang="pl-PL" smtClean="0"/>
-              <a:t>10.03.2023</a:t>
+              <a:t>11.03.2023</a:t>
             </a:fld>
             <a:endParaRPr lang="pl-PL"/>
           </a:p>
@@ -2080,7 +2080,7 @@
           <a:p>
             <a:fld id="{BDE6E42A-1998-4C9D-8E3F-A3707EA1570C}" type="datetimeFigureOut">
               <a:rPr lang="pl-PL" smtClean="0"/>
-              <a:t>10.03.2023</a:t>
+              <a:t>11.03.2023</a:t>
             </a:fld>
             <a:endParaRPr lang="pl-PL"/>
           </a:p>
@@ -2391,7 +2391,7 @@
           <a:p>
             <a:fld id="{BDE6E42A-1998-4C9D-8E3F-A3707EA1570C}" type="datetimeFigureOut">
               <a:rPr lang="pl-PL" smtClean="0"/>
-              <a:t>10.03.2023</a:t>
+              <a:t>11.03.2023</a:t>
             </a:fld>
             <a:endParaRPr lang="pl-PL"/>
           </a:p>
@@ -2679,7 +2679,7 @@
           <a:p>
             <a:fld id="{BDE6E42A-1998-4C9D-8E3F-A3707EA1570C}" type="datetimeFigureOut">
               <a:rPr lang="pl-PL" smtClean="0"/>
-              <a:t>10.03.2023</a:t>
+              <a:t>11.03.2023</a:t>
             </a:fld>
             <a:endParaRPr lang="pl-PL"/>
           </a:p>
@@ -2920,7 +2920,7 @@
           <a:p>
             <a:fld id="{BDE6E42A-1998-4C9D-8E3F-A3707EA1570C}" type="datetimeFigureOut">
               <a:rPr lang="pl-PL" smtClean="0"/>
-              <a:t>10.03.2023</a:t>
+              <a:t>11.03.2023</a:t>
             </a:fld>
             <a:endParaRPr lang="pl-PL"/>
           </a:p>
@@ -4937,7 +4937,7 @@
           <a:p>
             <a:r>
               <a:rPr lang="pl-PL" dirty="0"/>
-              <a:t>x = 8^-1, 8^-2, … ,8^-15</a:t>
+              <a:t>x = 8^-1, 8^-2, …</a:t>
             </a:r>
           </a:p>
           <a:p>
@@ -5055,8 +5055,8 @@
           </a:p>
         </p:txBody>
       </p:sp>
-      <mc:AlternateContent xmlns:mc="http://schemas.openxmlformats.org/markup-compatibility/2006">
-        <mc:Choice xmlns:a14="http://schemas.microsoft.com/office/drawing/2010/main" Requires="a14">
+      <mc:AlternateContent xmlns:mc="http://schemas.openxmlformats.org/markup-compatibility/2006" xmlns:a14="http://schemas.microsoft.com/office/drawing/2010/main">
+        <mc:Choice Requires="a14">
           <p:graphicFrame>
             <p:nvGraphicFramePr>
               <p:cNvPr id="4" name="Tabela 4">
@@ -6676,7 +6676,7 @@
             </a:graphic>
           </p:graphicFrame>
         </mc:Choice>
-        <mc:Fallback>
+        <mc:Fallback xmlns="">
           <p:graphicFrame>
             <p:nvGraphicFramePr>
               <p:cNvPr id="4" name="Tabela 4">
